--- a/Applied Econometrics/ASSIGNMENT 3 - cointegration/PGCDS ASSIGNMENT 3 - Co-integration.pptx
+++ b/Applied Econometrics/ASSIGNMENT 3 - cointegration/PGCDS ASSIGNMENT 3 - Co-integration.pptx
@@ -1,12 +1,25 @@
 
 <file path=ppt/presentation.xml><?xml version="1.0" encoding="utf-8"?>
-<p:presentation xmlns:a="http://schemas.openxmlformats.org/drawingml/2006/main" xmlns:r="http://schemas.openxmlformats.org/officeDocument/2006/relationships" xmlns:p="http://schemas.openxmlformats.org/presentationml/2006/main" saveSubsetFonts="1">
+<p:presentation xmlns:a="http://schemas.openxmlformats.org/drawingml/2006/main" xmlns:r="http://schemas.openxmlformats.org/officeDocument/2006/relationships" xmlns:p="http://schemas.openxmlformats.org/presentationml/2006/main" showSpecialPlsOnTitleSld="0" saveSubsetFonts="1">
   <p:sldMasterIdLst>
     <p:sldMasterId id="2147483648" r:id="rId1"/>
   </p:sldMasterIdLst>
+  <p:notesMasterIdLst>
+    <p:notesMasterId r:id="rId14"/>
+  </p:notesMasterIdLst>
   <p:sldIdLst>
     <p:sldId id="256" r:id="rId2"/>
     <p:sldId id="257" r:id="rId3"/>
+    <p:sldId id="258" r:id="rId4"/>
+    <p:sldId id="260" r:id="rId5"/>
+    <p:sldId id="261" r:id="rId6"/>
+    <p:sldId id="262" r:id="rId7"/>
+    <p:sldId id="264" r:id="rId8"/>
+    <p:sldId id="268" r:id="rId9"/>
+    <p:sldId id="265" r:id="rId10"/>
+    <p:sldId id="266" r:id="rId11"/>
+    <p:sldId id="263" r:id="rId12"/>
+    <p:sldId id="267" r:id="rId13"/>
   </p:sldIdLst>
   <p:sldSz cx="12192000" cy="6858000"/>
   <p:notesSz cx="6858000" cy="9144000"/>
@@ -108,6 +121,440 @@
 </p:presentation>
 </file>
 
+<file path=ppt/notesMasters/notesMaster1.xml><?xml version="1.0" encoding="utf-8"?>
+<p:notesMaster xmlns:a="http://schemas.openxmlformats.org/drawingml/2006/main" xmlns:r="http://schemas.openxmlformats.org/officeDocument/2006/relationships" xmlns:p="http://schemas.openxmlformats.org/presentationml/2006/main">
+  <p:cSld>
+    <p:bg>
+      <p:bgRef idx="1001">
+        <a:schemeClr val="bg1"/>
+      </p:bgRef>
+    </p:bg>
+    <p:spTree>
+      <p:nvGrpSpPr>
+        <p:cNvPr id="1" name=""/>
+        <p:cNvGrpSpPr/>
+        <p:nvPr/>
+      </p:nvGrpSpPr>
+      <p:grpSpPr>
+        <a:xfrm>
+          <a:off x="0" y="0"/>
+          <a:ext cx="0" cy="0"/>
+          <a:chOff x="0" y="0"/>
+          <a:chExt cx="0" cy="0"/>
+        </a:xfrm>
+      </p:grpSpPr>
+      <p:sp>
+        <p:nvSpPr>
+          <p:cNvPr id="2" name="Header Placeholder 1"/>
+          <p:cNvSpPr>
+            <a:spLocks noGrp="1"/>
+          </p:cNvSpPr>
+          <p:nvPr>
+            <p:ph type="hdr" sz="quarter"/>
+          </p:nvPr>
+        </p:nvSpPr>
+        <p:spPr>
+          <a:xfrm>
+            <a:off x="0" y="0"/>
+            <a:ext cx="2971800" cy="458788"/>
+          </a:xfrm>
+          <a:prstGeom prst="rect">
+            <a:avLst/>
+          </a:prstGeom>
+        </p:spPr>
+        <p:txBody>
+          <a:bodyPr vert="horz" lIns="91440" tIns="45720" rIns="91440" bIns="45720" rtlCol="0"/>
+          <a:lstStyle>
+            <a:lvl1pPr algn="l">
+              <a:defRPr sz="1200"/>
+            </a:lvl1pPr>
+          </a:lstStyle>
+          <a:p>
+            <a:endParaRPr lang="en-US"/>
+          </a:p>
+        </p:txBody>
+      </p:sp>
+      <p:sp>
+        <p:nvSpPr>
+          <p:cNvPr id="3" name="Date Placeholder 2"/>
+          <p:cNvSpPr>
+            <a:spLocks noGrp="1"/>
+          </p:cNvSpPr>
+          <p:nvPr>
+            <p:ph type="dt" idx="1"/>
+          </p:nvPr>
+        </p:nvSpPr>
+        <p:spPr>
+          <a:xfrm>
+            <a:off x="3884613" y="0"/>
+            <a:ext cx="2971800" cy="458788"/>
+          </a:xfrm>
+          <a:prstGeom prst="rect">
+            <a:avLst/>
+          </a:prstGeom>
+        </p:spPr>
+        <p:txBody>
+          <a:bodyPr vert="horz" lIns="91440" tIns="45720" rIns="91440" bIns="45720" rtlCol="0"/>
+          <a:lstStyle>
+            <a:lvl1pPr algn="r">
+              <a:defRPr sz="1200"/>
+            </a:lvl1pPr>
+          </a:lstStyle>
+          <a:p>
+            <a:fld id="{2B94E50F-F4A0-41BC-8FBB-9F6F512F4ECB}" type="datetimeFigureOut">
+              <a:rPr lang="en-US" smtClean="0"/>
+              <a:t>3/12/2016</a:t>
+            </a:fld>
+            <a:endParaRPr lang="en-US"/>
+          </a:p>
+        </p:txBody>
+      </p:sp>
+      <p:sp>
+        <p:nvSpPr>
+          <p:cNvPr id="4" name="Slide Image Placeholder 3"/>
+          <p:cNvSpPr>
+            <a:spLocks noGrp="1" noRot="1" noChangeAspect="1"/>
+          </p:cNvSpPr>
+          <p:nvPr>
+            <p:ph type="sldImg" idx="2"/>
+          </p:nvPr>
+        </p:nvSpPr>
+        <p:spPr>
+          <a:xfrm>
+            <a:off x="685800" y="1143000"/>
+            <a:ext cx="5486400" cy="3086100"/>
+          </a:xfrm>
+          <a:prstGeom prst="rect">
+            <a:avLst/>
+          </a:prstGeom>
+          <a:noFill/>
+          <a:ln w="12700">
+            <a:solidFill>
+              <a:prstClr val="black"/>
+            </a:solidFill>
+          </a:ln>
+        </p:spPr>
+        <p:txBody>
+          <a:bodyPr vert="horz" lIns="91440" tIns="45720" rIns="91440" bIns="45720" rtlCol="0" anchor="ctr"/>
+          <a:lstStyle/>
+          <a:p>
+            <a:endParaRPr lang="en-US"/>
+          </a:p>
+        </p:txBody>
+      </p:sp>
+      <p:sp>
+        <p:nvSpPr>
+          <p:cNvPr id="5" name="Notes Placeholder 4"/>
+          <p:cNvSpPr>
+            <a:spLocks noGrp="1"/>
+          </p:cNvSpPr>
+          <p:nvPr>
+            <p:ph type="body" sz="quarter" idx="3"/>
+          </p:nvPr>
+        </p:nvSpPr>
+        <p:spPr>
+          <a:xfrm>
+            <a:off x="685800" y="4400550"/>
+            <a:ext cx="5486400" cy="3600450"/>
+          </a:xfrm>
+          <a:prstGeom prst="rect">
+            <a:avLst/>
+          </a:prstGeom>
+        </p:spPr>
+        <p:txBody>
+          <a:bodyPr vert="horz" lIns="91440" tIns="45720" rIns="91440" bIns="45720" rtlCol="0"/>
+          <a:lstStyle/>
+          <a:p>
+            <a:pPr lvl="0"/>
+            <a:r>
+              <a:rPr lang="en-US" smtClean="0"/>
+              <a:t>Click to edit Master text styles</a:t>
+            </a:r>
+          </a:p>
+          <a:p>
+            <a:pPr lvl="1"/>
+            <a:r>
+              <a:rPr lang="en-US" smtClean="0"/>
+              <a:t>Second level</a:t>
+            </a:r>
+          </a:p>
+          <a:p>
+            <a:pPr lvl="2"/>
+            <a:r>
+              <a:rPr lang="en-US" smtClean="0"/>
+              <a:t>Third level</a:t>
+            </a:r>
+          </a:p>
+          <a:p>
+            <a:pPr lvl="3"/>
+            <a:r>
+              <a:rPr lang="en-US" smtClean="0"/>
+              <a:t>Fourth level</a:t>
+            </a:r>
+          </a:p>
+          <a:p>
+            <a:pPr lvl="4"/>
+            <a:r>
+              <a:rPr lang="en-US" smtClean="0"/>
+              <a:t>Fifth level</a:t>
+            </a:r>
+            <a:endParaRPr lang="en-US"/>
+          </a:p>
+        </p:txBody>
+      </p:sp>
+      <p:sp>
+        <p:nvSpPr>
+          <p:cNvPr id="6" name="Footer Placeholder 5"/>
+          <p:cNvSpPr>
+            <a:spLocks noGrp="1"/>
+          </p:cNvSpPr>
+          <p:nvPr>
+            <p:ph type="ftr" sz="quarter" idx="4"/>
+          </p:nvPr>
+        </p:nvSpPr>
+        <p:spPr>
+          <a:xfrm>
+            <a:off x="0" y="8685213"/>
+            <a:ext cx="2971800" cy="458787"/>
+          </a:xfrm>
+          <a:prstGeom prst="rect">
+            <a:avLst/>
+          </a:prstGeom>
+        </p:spPr>
+        <p:txBody>
+          <a:bodyPr vert="horz" lIns="91440" tIns="45720" rIns="91440" bIns="45720" rtlCol="0" anchor="b"/>
+          <a:lstStyle>
+            <a:lvl1pPr algn="l">
+              <a:defRPr sz="1200"/>
+            </a:lvl1pPr>
+          </a:lstStyle>
+          <a:p>
+            <a:endParaRPr lang="en-US"/>
+          </a:p>
+        </p:txBody>
+      </p:sp>
+      <p:sp>
+        <p:nvSpPr>
+          <p:cNvPr id="7" name="Slide Number Placeholder 6"/>
+          <p:cNvSpPr>
+            <a:spLocks noGrp="1"/>
+          </p:cNvSpPr>
+          <p:nvPr>
+            <p:ph type="sldNum" sz="quarter" idx="5"/>
+          </p:nvPr>
+        </p:nvSpPr>
+        <p:spPr>
+          <a:xfrm>
+            <a:off x="3884613" y="8685213"/>
+            <a:ext cx="2971800" cy="458787"/>
+          </a:xfrm>
+          <a:prstGeom prst="rect">
+            <a:avLst/>
+          </a:prstGeom>
+        </p:spPr>
+        <p:txBody>
+          <a:bodyPr vert="horz" lIns="91440" tIns="45720" rIns="91440" bIns="45720" rtlCol="0" anchor="b"/>
+          <a:lstStyle>
+            <a:lvl1pPr algn="r">
+              <a:defRPr sz="1200"/>
+            </a:lvl1pPr>
+          </a:lstStyle>
+          <a:p>
+            <a:fld id="{488704B9-EC5A-467E-8E69-AD7EE0287201}" type="slidenum">
+              <a:rPr lang="en-US" smtClean="0"/>
+              <a:t>‹#›</a:t>
+            </a:fld>
+            <a:endParaRPr lang="en-US"/>
+          </a:p>
+        </p:txBody>
+      </p:sp>
+    </p:spTree>
+    <p:extLst>
+      <p:ext uri="{BB962C8B-B14F-4D97-AF65-F5344CB8AC3E}">
+        <p14:creationId xmlns:p14="http://schemas.microsoft.com/office/powerpoint/2010/main" val="15231911"/>
+      </p:ext>
+    </p:extLst>
+  </p:cSld>
+  <p:clrMap bg1="lt1" tx1="dk1" bg2="lt2" tx2="dk2" accent1="accent1" accent2="accent2" accent3="accent3" accent4="accent4" accent5="accent5" accent6="accent6" hlink="hlink" folHlink="folHlink"/>
+  <p:notesStyle>
+    <a:lvl1pPr marL="0" algn="l" defTabSz="914400" rtl="0" eaLnBrk="1" latinLnBrk="0" hangingPunct="1">
+      <a:defRPr sz="1200" kern="1200">
+        <a:solidFill>
+          <a:schemeClr val="tx1"/>
+        </a:solidFill>
+        <a:latin typeface="+mn-lt"/>
+        <a:ea typeface="+mn-ea"/>
+        <a:cs typeface="+mn-cs"/>
+      </a:defRPr>
+    </a:lvl1pPr>
+    <a:lvl2pPr marL="457200" algn="l" defTabSz="914400" rtl="0" eaLnBrk="1" latinLnBrk="0" hangingPunct="1">
+      <a:defRPr sz="1200" kern="1200">
+        <a:solidFill>
+          <a:schemeClr val="tx1"/>
+        </a:solidFill>
+        <a:latin typeface="+mn-lt"/>
+        <a:ea typeface="+mn-ea"/>
+        <a:cs typeface="+mn-cs"/>
+      </a:defRPr>
+    </a:lvl2pPr>
+    <a:lvl3pPr marL="914400" algn="l" defTabSz="914400" rtl="0" eaLnBrk="1" latinLnBrk="0" hangingPunct="1">
+      <a:defRPr sz="1200" kern="1200">
+        <a:solidFill>
+          <a:schemeClr val="tx1"/>
+        </a:solidFill>
+        <a:latin typeface="+mn-lt"/>
+        <a:ea typeface="+mn-ea"/>
+        <a:cs typeface="+mn-cs"/>
+      </a:defRPr>
+    </a:lvl3pPr>
+    <a:lvl4pPr marL="1371600" algn="l" defTabSz="914400" rtl="0" eaLnBrk="1" latinLnBrk="0" hangingPunct="1">
+      <a:defRPr sz="1200" kern="1200">
+        <a:solidFill>
+          <a:schemeClr val="tx1"/>
+        </a:solidFill>
+        <a:latin typeface="+mn-lt"/>
+        <a:ea typeface="+mn-ea"/>
+        <a:cs typeface="+mn-cs"/>
+      </a:defRPr>
+    </a:lvl4pPr>
+    <a:lvl5pPr marL="1828800" algn="l" defTabSz="914400" rtl="0" eaLnBrk="1" latinLnBrk="0" hangingPunct="1">
+      <a:defRPr sz="1200" kern="1200">
+        <a:solidFill>
+          <a:schemeClr val="tx1"/>
+        </a:solidFill>
+        <a:latin typeface="+mn-lt"/>
+        <a:ea typeface="+mn-ea"/>
+        <a:cs typeface="+mn-cs"/>
+      </a:defRPr>
+    </a:lvl5pPr>
+    <a:lvl6pPr marL="2286000" algn="l" defTabSz="914400" rtl="0" eaLnBrk="1" latinLnBrk="0" hangingPunct="1">
+      <a:defRPr sz="1200" kern="1200">
+        <a:solidFill>
+          <a:schemeClr val="tx1"/>
+        </a:solidFill>
+        <a:latin typeface="+mn-lt"/>
+        <a:ea typeface="+mn-ea"/>
+        <a:cs typeface="+mn-cs"/>
+      </a:defRPr>
+    </a:lvl6pPr>
+    <a:lvl7pPr marL="2743200" algn="l" defTabSz="914400" rtl="0" eaLnBrk="1" latinLnBrk="0" hangingPunct="1">
+      <a:defRPr sz="1200" kern="1200">
+        <a:solidFill>
+          <a:schemeClr val="tx1"/>
+        </a:solidFill>
+        <a:latin typeface="+mn-lt"/>
+        <a:ea typeface="+mn-ea"/>
+        <a:cs typeface="+mn-cs"/>
+      </a:defRPr>
+    </a:lvl7pPr>
+    <a:lvl8pPr marL="3200400" algn="l" defTabSz="914400" rtl="0" eaLnBrk="1" latinLnBrk="0" hangingPunct="1">
+      <a:defRPr sz="1200" kern="1200">
+        <a:solidFill>
+          <a:schemeClr val="tx1"/>
+        </a:solidFill>
+        <a:latin typeface="+mn-lt"/>
+        <a:ea typeface="+mn-ea"/>
+        <a:cs typeface="+mn-cs"/>
+      </a:defRPr>
+    </a:lvl8pPr>
+    <a:lvl9pPr marL="3657600" algn="l" defTabSz="914400" rtl="0" eaLnBrk="1" latinLnBrk="0" hangingPunct="1">
+      <a:defRPr sz="1200" kern="1200">
+        <a:solidFill>
+          <a:schemeClr val="tx1"/>
+        </a:solidFill>
+        <a:latin typeface="+mn-lt"/>
+        <a:ea typeface="+mn-ea"/>
+        <a:cs typeface="+mn-cs"/>
+      </a:defRPr>
+    </a:lvl9pPr>
+  </p:notesStyle>
+</p:notesMaster>
+</file>
+
+<file path=ppt/notesSlides/notesSlide1.xml><?xml version="1.0" encoding="utf-8"?>
+<p:notes xmlns:a="http://schemas.openxmlformats.org/drawingml/2006/main" xmlns:r="http://schemas.openxmlformats.org/officeDocument/2006/relationships" xmlns:p="http://schemas.openxmlformats.org/presentationml/2006/main">
+  <p:cSld>
+    <p:spTree>
+      <p:nvGrpSpPr>
+        <p:cNvPr id="1" name=""/>
+        <p:cNvGrpSpPr/>
+        <p:nvPr/>
+      </p:nvGrpSpPr>
+      <p:grpSpPr>
+        <a:xfrm>
+          <a:off x="0" y="0"/>
+          <a:ext cx="0" cy="0"/>
+          <a:chOff x="0" y="0"/>
+          <a:chExt cx="0" cy="0"/>
+        </a:xfrm>
+      </p:grpSpPr>
+      <p:sp>
+        <p:nvSpPr>
+          <p:cNvPr id="2" name="Slide Image Placeholder 1"/>
+          <p:cNvSpPr>
+            <a:spLocks noGrp="1" noRot="1" noChangeAspect="1"/>
+          </p:cNvSpPr>
+          <p:nvPr>
+            <p:ph type="sldImg"/>
+          </p:nvPr>
+        </p:nvSpPr>
+        <p:spPr/>
+      </p:sp>
+      <p:sp>
+        <p:nvSpPr>
+          <p:cNvPr id="3" name="Notes Placeholder 2"/>
+          <p:cNvSpPr>
+            <a:spLocks noGrp="1"/>
+          </p:cNvSpPr>
+          <p:nvPr>
+            <p:ph type="body" idx="1"/>
+          </p:nvPr>
+        </p:nvSpPr>
+        <p:spPr/>
+        <p:txBody>
+          <a:bodyPr/>
+          <a:lstStyle/>
+          <a:p>
+            <a:endParaRPr lang="en-US"/>
+          </a:p>
+        </p:txBody>
+      </p:sp>
+      <p:sp>
+        <p:nvSpPr>
+          <p:cNvPr id="4" name="Slide Number Placeholder 3"/>
+          <p:cNvSpPr>
+            <a:spLocks noGrp="1"/>
+          </p:cNvSpPr>
+          <p:nvPr>
+            <p:ph type="sldNum" sz="quarter" idx="10"/>
+          </p:nvPr>
+        </p:nvSpPr>
+        <p:spPr/>
+        <p:txBody>
+          <a:bodyPr/>
+          <a:lstStyle/>
+          <a:p>
+            <a:fld id="{488704B9-EC5A-467E-8E69-AD7EE0287201}" type="slidenum">
+              <a:rPr lang="en-US" smtClean="0"/>
+              <a:t>1</a:t>
+            </a:fld>
+            <a:endParaRPr lang="en-US"/>
+          </a:p>
+        </p:txBody>
+      </p:sp>
+    </p:spTree>
+    <p:extLst>
+      <p:ext uri="{BB962C8B-B14F-4D97-AF65-F5344CB8AC3E}">
+        <p14:creationId xmlns:p14="http://schemas.microsoft.com/office/powerpoint/2010/main" val="1623195948"/>
+      </p:ext>
+    </p:extLst>
+  </p:cSld>
+  <p:clrMapOvr>
+    <a:masterClrMapping/>
+  </p:clrMapOvr>
+</p:notes>
+</file>
+
 <file path=ppt/slideLayouts/slideLayout1.xml><?xml version="1.0" encoding="utf-8"?>
 <p:sldLayout xmlns:a="http://schemas.openxmlformats.org/drawingml/2006/main" xmlns:r="http://schemas.openxmlformats.org/officeDocument/2006/relationships" xmlns:p="http://schemas.openxmlformats.org/presentationml/2006/main" type="title" preserve="1">
   <p:cSld name="Title Slide">
@@ -237,7 +684,7 @@
           <a:bodyPr/>
           <a:lstStyle/>
           <a:p>
-            <a:fld id="{2D5B1143-0124-41C6-970F-1A56F881BFA5}" type="datetimeFigureOut">
+            <a:fld id="{786240AD-8D52-4127-9201-4CDE92181892}" type="datetime1">
               <a:rPr lang="en-US" smtClean="0"/>
               <a:t>3/12/2016</a:t>
             </a:fld>
@@ -260,6 +707,10 @@
           <a:bodyPr/>
           <a:lstStyle/>
           <a:p>
+            <a:r>
+              <a:rPr lang="en-US" smtClean="0"/>
+              <a:t>AFE Co-integration </a:t>
+            </a:r>
             <a:endParaRPr lang="en-US"/>
           </a:p>
         </p:txBody>
@@ -407,7 +858,7 @@
           <a:bodyPr/>
           <a:lstStyle/>
           <a:p>
-            <a:fld id="{2D5B1143-0124-41C6-970F-1A56F881BFA5}" type="datetimeFigureOut">
+            <a:fld id="{848A852D-DD7C-49C7-B20A-E33A6D0790CF}" type="datetime1">
               <a:rPr lang="en-US" smtClean="0"/>
               <a:t>3/12/2016</a:t>
             </a:fld>
@@ -430,6 +881,10 @@
           <a:bodyPr/>
           <a:lstStyle/>
           <a:p>
+            <a:r>
+              <a:rPr lang="en-US" smtClean="0"/>
+              <a:t>AFE Co-integration </a:t>
+            </a:r>
             <a:endParaRPr lang="en-US"/>
           </a:p>
         </p:txBody>
@@ -587,7 +1042,7 @@
           <a:bodyPr/>
           <a:lstStyle/>
           <a:p>
-            <a:fld id="{2D5B1143-0124-41C6-970F-1A56F881BFA5}" type="datetimeFigureOut">
+            <a:fld id="{BCC8354C-4B36-40E2-834F-3A2D549AD692}" type="datetime1">
               <a:rPr lang="en-US" smtClean="0"/>
               <a:t>3/12/2016</a:t>
             </a:fld>
@@ -610,6 +1065,10 @@
           <a:bodyPr/>
           <a:lstStyle/>
           <a:p>
+            <a:r>
+              <a:rPr lang="en-US" smtClean="0"/>
+              <a:t>AFE Co-integration </a:t>
+            </a:r>
             <a:endParaRPr lang="en-US"/>
           </a:p>
         </p:txBody>
@@ -757,7 +1216,7 @@
           <a:bodyPr/>
           <a:lstStyle/>
           <a:p>
-            <a:fld id="{2D5B1143-0124-41C6-970F-1A56F881BFA5}" type="datetimeFigureOut">
+            <a:fld id="{0C367A17-67EA-4E48-B79E-95053C8A1CE3}" type="datetime1">
               <a:rPr lang="en-US" smtClean="0"/>
               <a:t>3/12/2016</a:t>
             </a:fld>
@@ -780,6 +1239,10 @@
           <a:bodyPr/>
           <a:lstStyle/>
           <a:p>
+            <a:r>
+              <a:rPr lang="en-US" smtClean="0"/>
+              <a:t>AFE Co-integration </a:t>
+            </a:r>
             <a:endParaRPr lang="en-US"/>
           </a:p>
         </p:txBody>
@@ -1003,7 +1466,7 @@
           <a:bodyPr/>
           <a:lstStyle/>
           <a:p>
-            <a:fld id="{2D5B1143-0124-41C6-970F-1A56F881BFA5}" type="datetimeFigureOut">
+            <a:fld id="{A21C8DD3-D6C0-44E1-A1B4-3944BDBBA703}" type="datetime1">
               <a:rPr lang="en-US" smtClean="0"/>
               <a:t>3/12/2016</a:t>
             </a:fld>
@@ -1026,6 +1489,10 @@
           <a:bodyPr/>
           <a:lstStyle/>
           <a:p>
+            <a:r>
+              <a:rPr lang="en-US" smtClean="0"/>
+              <a:t>AFE Co-integration </a:t>
+            </a:r>
             <a:endParaRPr lang="en-US"/>
           </a:p>
         </p:txBody>
@@ -1235,7 +1702,7 @@
           <a:bodyPr/>
           <a:lstStyle/>
           <a:p>
-            <a:fld id="{2D5B1143-0124-41C6-970F-1A56F881BFA5}" type="datetimeFigureOut">
+            <a:fld id="{7F72CB73-2CC9-4EB0-BD65-8FC95726C26D}" type="datetime1">
               <a:rPr lang="en-US" smtClean="0"/>
               <a:t>3/12/2016</a:t>
             </a:fld>
@@ -1258,6 +1725,10 @@
           <a:bodyPr/>
           <a:lstStyle/>
           <a:p>
+            <a:r>
+              <a:rPr lang="en-US" smtClean="0"/>
+              <a:t>AFE Co-integration </a:t>
+            </a:r>
             <a:endParaRPr lang="en-US"/>
           </a:p>
         </p:txBody>
@@ -1602,7 +2073,7 @@
           <a:bodyPr/>
           <a:lstStyle/>
           <a:p>
-            <a:fld id="{2D5B1143-0124-41C6-970F-1A56F881BFA5}" type="datetimeFigureOut">
+            <a:fld id="{3E3F388C-64BA-4592-B280-A9350A35719F}" type="datetime1">
               <a:rPr lang="en-US" smtClean="0"/>
               <a:t>3/12/2016</a:t>
             </a:fld>
@@ -1625,6 +2096,10 @@
           <a:bodyPr/>
           <a:lstStyle/>
           <a:p>
+            <a:r>
+              <a:rPr lang="en-US" smtClean="0"/>
+              <a:t>AFE Co-integration </a:t>
+            </a:r>
             <a:endParaRPr lang="en-US"/>
           </a:p>
         </p:txBody>
@@ -1720,7 +2195,7 @@
           <a:bodyPr/>
           <a:lstStyle/>
           <a:p>
-            <a:fld id="{2D5B1143-0124-41C6-970F-1A56F881BFA5}" type="datetimeFigureOut">
+            <a:fld id="{B7368652-BB97-4550-8B36-163658CCE1C6}" type="datetime1">
               <a:rPr lang="en-US" smtClean="0"/>
               <a:t>3/12/2016</a:t>
             </a:fld>
@@ -1743,6 +2218,10 @@
           <a:bodyPr/>
           <a:lstStyle/>
           <a:p>
+            <a:r>
+              <a:rPr lang="en-US" smtClean="0"/>
+              <a:t>AFE Co-integration </a:t>
+            </a:r>
             <a:endParaRPr lang="en-US"/>
           </a:p>
         </p:txBody>
@@ -1815,7 +2294,7 @@
           <a:bodyPr/>
           <a:lstStyle/>
           <a:p>
-            <a:fld id="{2D5B1143-0124-41C6-970F-1A56F881BFA5}" type="datetimeFigureOut">
+            <a:fld id="{21348441-F7F5-43AA-9784-FCC180C606C9}" type="datetime1">
               <a:rPr lang="en-US" smtClean="0"/>
               <a:t>3/12/2016</a:t>
             </a:fld>
@@ -1838,6 +2317,10 @@
           <a:bodyPr/>
           <a:lstStyle/>
           <a:p>
+            <a:r>
+              <a:rPr lang="en-US" smtClean="0"/>
+              <a:t>AFE Co-integration </a:t>
+            </a:r>
             <a:endParaRPr lang="en-US"/>
           </a:p>
         </p:txBody>
@@ -2092,7 +2575,7 @@
           <a:bodyPr/>
           <a:lstStyle/>
           <a:p>
-            <a:fld id="{2D5B1143-0124-41C6-970F-1A56F881BFA5}" type="datetimeFigureOut">
+            <a:fld id="{4CF967CD-FE6F-4234-9FFF-092FA11E6043}" type="datetime1">
               <a:rPr lang="en-US" smtClean="0"/>
               <a:t>3/12/2016</a:t>
             </a:fld>
@@ -2115,6 +2598,10 @@
           <a:bodyPr/>
           <a:lstStyle/>
           <a:p>
+            <a:r>
+              <a:rPr lang="en-US" smtClean="0"/>
+              <a:t>AFE Co-integration </a:t>
+            </a:r>
             <a:endParaRPr lang="en-US"/>
           </a:p>
         </p:txBody>
@@ -2345,7 +2832,7 @@
           <a:bodyPr/>
           <a:lstStyle/>
           <a:p>
-            <a:fld id="{2D5B1143-0124-41C6-970F-1A56F881BFA5}" type="datetimeFigureOut">
+            <a:fld id="{89980A75-D211-4BF4-A7AF-83B836A3C374}" type="datetime1">
               <a:rPr lang="en-US" smtClean="0"/>
               <a:t>3/12/2016</a:t>
             </a:fld>
@@ -2368,6 +2855,10 @@
           <a:bodyPr/>
           <a:lstStyle/>
           <a:p>
+            <a:r>
+              <a:rPr lang="en-US" smtClean="0"/>
+              <a:t>AFE Co-integration </a:t>
+            </a:r>
             <a:endParaRPr lang="en-US"/>
           </a:p>
         </p:txBody>
@@ -2558,7 +3049,7 @@
             </a:lvl1pPr>
           </a:lstStyle>
           <a:p>
-            <a:fld id="{2D5B1143-0124-41C6-970F-1A56F881BFA5}" type="datetimeFigureOut">
+            <a:fld id="{2B4349EF-EA8C-4639-86D4-F5F4A9BCA5D9}" type="datetime1">
               <a:rPr lang="en-US" smtClean="0"/>
               <a:t>3/12/2016</a:t>
             </a:fld>
@@ -2599,6 +3090,10 @@
             </a:lvl1pPr>
           </a:lstStyle>
           <a:p>
+            <a:r>
+              <a:rPr lang="en-US" smtClean="0"/>
+              <a:t>AFE Co-integration </a:t>
+            </a:r>
             <a:endParaRPr lang="en-US"/>
           </a:p>
         </p:txBody>
@@ -2665,6 +3160,7 @@
     <p:sldLayoutId id="2147483658" r:id="rId10"/>
     <p:sldLayoutId id="2147483659" r:id="rId11"/>
   </p:sldLayoutIdLst>
+  <p:hf hdr="0" dt="0"/>
   <p:txStyles>
     <p:titleStyle>
       <a:lvl1pPr algn="l" defTabSz="914400" rtl="0" eaLnBrk="1" latinLnBrk="0" hangingPunct="1">
@@ -3047,7 +3543,11 @@
           <a:p>
             <a:r>
               <a:rPr lang="en-US" b="1" dirty="0" smtClean="0"/>
-              <a:t>Applied Econometrics – assignment #2</a:t>
+              <a:t>Applied Econometrics – assignment </a:t>
+            </a:r>
+            <a:r>
+              <a:rPr lang="en-US" b="1" dirty="0" smtClean="0"/>
+              <a:t>#3</a:t>
             </a:r>
             <a:endParaRPr lang="en-US" b="1" dirty="0"/>
           </a:p>
@@ -3062,7 +3562,7 @@
           <p:nvPr/>
         </p:nvPicPr>
         <p:blipFill>
-          <a:blip r:embed="rId2"/>
+          <a:blip r:embed="rId3"/>
           <a:stretch>
             <a:fillRect/>
           </a:stretch>
@@ -3207,6 +3707,421 @@
   <p:clrMapOvr>
     <a:masterClrMapping/>
   </p:clrMapOvr>
+  <p:timing>
+    <p:tnLst>
+      <p:par>
+        <p:cTn id="1" dur="indefinite" restart="never" nodeType="tmRoot"/>
+      </p:par>
+    </p:tnLst>
+  </p:timing>
+</p:sld>
+</file>
+
+<file path=ppt/slides/slide10.xml><?xml version="1.0" encoding="utf-8"?>
+<p:sld xmlns:a="http://schemas.openxmlformats.org/drawingml/2006/main" xmlns:r="http://schemas.openxmlformats.org/officeDocument/2006/relationships" xmlns:p="http://schemas.openxmlformats.org/presentationml/2006/main">
+  <p:cSld>
+    <p:spTree>
+      <p:nvGrpSpPr>
+        <p:cNvPr id="1" name=""/>
+        <p:cNvGrpSpPr/>
+        <p:nvPr/>
+      </p:nvGrpSpPr>
+      <p:grpSpPr>
+        <a:xfrm>
+          <a:off x="0" y="0"/>
+          <a:ext cx="0" cy="0"/>
+          <a:chOff x="0" y="0"/>
+          <a:chExt cx="0" cy="0"/>
+        </a:xfrm>
+      </p:grpSpPr>
+      <p:sp>
+        <p:nvSpPr>
+          <p:cNvPr id="2" name="Title 1"/>
+          <p:cNvSpPr>
+            <a:spLocks noGrp="1"/>
+          </p:cNvSpPr>
+          <p:nvPr>
+            <p:ph type="title"/>
+          </p:nvPr>
+        </p:nvSpPr>
+        <p:spPr/>
+        <p:txBody>
+          <a:bodyPr/>
+          <a:lstStyle/>
+          <a:p>
+            <a:r>
+              <a:rPr lang="en-US" dirty="0" smtClean="0"/>
+              <a:t>Impulse Response – differenced series</a:t>
+            </a:r>
+            <a:endParaRPr lang="en-US" dirty="0"/>
+          </a:p>
+        </p:txBody>
+      </p:sp>
+      <p:sp>
+        <p:nvSpPr>
+          <p:cNvPr id="5" name="Footer Placeholder 4"/>
+          <p:cNvSpPr>
+            <a:spLocks noGrp="1"/>
+          </p:cNvSpPr>
+          <p:nvPr>
+            <p:ph type="ftr" sz="quarter" idx="11"/>
+          </p:nvPr>
+        </p:nvSpPr>
+        <p:spPr/>
+        <p:txBody>
+          <a:bodyPr/>
+          <a:lstStyle/>
+          <a:p>
+            <a:r>
+              <a:rPr lang="en-US" smtClean="0"/>
+              <a:t>AFE Co-integration </a:t>
+            </a:r>
+            <a:endParaRPr lang="en-US"/>
+          </a:p>
+        </p:txBody>
+      </p:sp>
+      <p:sp>
+        <p:nvSpPr>
+          <p:cNvPr id="6" name="Slide Number Placeholder 5"/>
+          <p:cNvSpPr>
+            <a:spLocks noGrp="1"/>
+          </p:cNvSpPr>
+          <p:nvPr>
+            <p:ph type="sldNum" sz="quarter" idx="12"/>
+          </p:nvPr>
+        </p:nvSpPr>
+        <p:spPr/>
+        <p:txBody>
+          <a:bodyPr/>
+          <a:lstStyle/>
+          <a:p>
+            <a:fld id="{A12BF9DC-6230-497F-8D42-9CD30A517941}" type="slidenum">
+              <a:rPr lang="en-US" smtClean="0"/>
+              <a:t>10</a:t>
+            </a:fld>
+            <a:endParaRPr lang="en-US"/>
+          </a:p>
+        </p:txBody>
+      </p:sp>
+      <p:pic>
+        <p:nvPicPr>
+          <p:cNvPr id="10" name="Picture 9"/>
+          <p:cNvPicPr>
+            <a:picLocks noChangeAspect="1"/>
+          </p:cNvPicPr>
+          <p:nvPr/>
+        </p:nvPicPr>
+        <p:blipFill>
+          <a:blip r:embed="rId2"/>
+          <a:stretch>
+            <a:fillRect/>
+          </a:stretch>
+        </p:blipFill>
+        <p:spPr>
+          <a:xfrm>
+            <a:off x="516310" y="1857472"/>
+            <a:ext cx="5579690" cy="4498878"/>
+          </a:xfrm>
+          <a:prstGeom prst="rect">
+            <a:avLst/>
+          </a:prstGeom>
+        </p:spPr>
+      </p:pic>
+      <p:pic>
+        <p:nvPicPr>
+          <p:cNvPr id="12" name="Picture 11"/>
+          <p:cNvPicPr>
+            <a:picLocks noChangeAspect="1"/>
+          </p:cNvPicPr>
+          <p:nvPr/>
+        </p:nvPicPr>
+        <p:blipFill>
+          <a:blip r:embed="rId3"/>
+          <a:stretch>
+            <a:fillRect/>
+          </a:stretch>
+        </p:blipFill>
+        <p:spPr>
+          <a:xfrm>
+            <a:off x="5930174" y="1859431"/>
+            <a:ext cx="5567061" cy="4491301"/>
+          </a:xfrm>
+          <a:prstGeom prst="rect">
+            <a:avLst/>
+          </a:prstGeom>
+        </p:spPr>
+      </p:pic>
+    </p:spTree>
+    <p:extLst>
+      <p:ext uri="{BB962C8B-B14F-4D97-AF65-F5344CB8AC3E}">
+        <p14:creationId xmlns:p14="http://schemas.microsoft.com/office/powerpoint/2010/main" val="3407954900"/>
+      </p:ext>
+    </p:extLst>
+  </p:cSld>
+  <p:clrMapOvr>
+    <a:masterClrMapping/>
+  </p:clrMapOvr>
+  <p:timing>
+    <p:tnLst>
+      <p:par>
+        <p:cTn id="1" dur="indefinite" restart="never" nodeType="tmRoot"/>
+      </p:par>
+    </p:tnLst>
+  </p:timing>
+</p:sld>
+</file>
+
+<file path=ppt/slides/slide11.xml><?xml version="1.0" encoding="utf-8"?>
+<p:sld xmlns:a="http://schemas.openxmlformats.org/drawingml/2006/main" xmlns:r="http://schemas.openxmlformats.org/officeDocument/2006/relationships" xmlns:p="http://schemas.openxmlformats.org/presentationml/2006/main">
+  <p:cSld>
+    <p:spTree>
+      <p:nvGrpSpPr>
+        <p:cNvPr id="1" name=""/>
+        <p:cNvGrpSpPr/>
+        <p:nvPr/>
+      </p:nvGrpSpPr>
+      <p:grpSpPr>
+        <a:xfrm>
+          <a:off x="0" y="0"/>
+          <a:ext cx="0" cy="0"/>
+          <a:chOff x="0" y="0"/>
+          <a:chExt cx="0" cy="0"/>
+        </a:xfrm>
+      </p:grpSpPr>
+      <p:sp>
+        <p:nvSpPr>
+          <p:cNvPr id="2" name="Title 1"/>
+          <p:cNvSpPr>
+            <a:spLocks noGrp="1"/>
+          </p:cNvSpPr>
+          <p:nvPr>
+            <p:ph type="title"/>
+          </p:nvPr>
+        </p:nvSpPr>
+        <p:spPr/>
+        <p:txBody>
+          <a:bodyPr/>
+          <a:lstStyle/>
+          <a:p>
+            <a:r>
+              <a:rPr lang="en-US" dirty="0" smtClean="0"/>
+              <a:t>Conclusion</a:t>
+            </a:r>
+            <a:endParaRPr lang="en-US" dirty="0"/>
+          </a:p>
+        </p:txBody>
+      </p:sp>
+      <p:sp>
+        <p:nvSpPr>
+          <p:cNvPr id="3" name="Content Placeholder 2"/>
+          <p:cNvSpPr>
+            <a:spLocks noGrp="1"/>
+          </p:cNvSpPr>
+          <p:nvPr>
+            <p:ph idx="1"/>
+          </p:nvPr>
+        </p:nvSpPr>
+        <p:spPr/>
+        <p:txBody>
+          <a:bodyPr/>
+          <a:lstStyle/>
+          <a:p>
+            <a:r>
+              <a:rPr lang="en-US" dirty="0" smtClean="0"/>
+              <a:t>Nifty leads gold but not vice versa</a:t>
+            </a:r>
+          </a:p>
+          <a:p>
+            <a:r>
+              <a:rPr lang="en-US" dirty="0" smtClean="0"/>
+              <a:t>Nifty and Gold time series are not stationary; their first differences, however, are stationary.</a:t>
+            </a:r>
+          </a:p>
+          <a:p>
+            <a:pPr marL="0" indent="0">
+              <a:buNone/>
+            </a:pPr>
+            <a:endParaRPr lang="en-US" dirty="0"/>
+          </a:p>
+        </p:txBody>
+      </p:sp>
+      <p:sp>
+        <p:nvSpPr>
+          <p:cNvPr id="4" name="Footer Placeholder 3"/>
+          <p:cNvSpPr>
+            <a:spLocks noGrp="1"/>
+          </p:cNvSpPr>
+          <p:nvPr>
+            <p:ph type="ftr" sz="quarter" idx="11"/>
+          </p:nvPr>
+        </p:nvSpPr>
+        <p:spPr/>
+        <p:txBody>
+          <a:bodyPr/>
+          <a:lstStyle/>
+          <a:p>
+            <a:r>
+              <a:rPr lang="en-US" smtClean="0"/>
+              <a:t>AFE Co-integration </a:t>
+            </a:r>
+            <a:endParaRPr lang="en-US"/>
+          </a:p>
+        </p:txBody>
+      </p:sp>
+      <p:sp>
+        <p:nvSpPr>
+          <p:cNvPr id="5" name="Slide Number Placeholder 4"/>
+          <p:cNvSpPr>
+            <a:spLocks noGrp="1"/>
+          </p:cNvSpPr>
+          <p:nvPr>
+            <p:ph type="sldNum" sz="quarter" idx="12"/>
+          </p:nvPr>
+        </p:nvSpPr>
+        <p:spPr/>
+        <p:txBody>
+          <a:bodyPr/>
+          <a:lstStyle/>
+          <a:p>
+            <a:fld id="{A12BF9DC-6230-497F-8D42-9CD30A517941}" type="slidenum">
+              <a:rPr lang="en-US" smtClean="0"/>
+              <a:t>11</a:t>
+            </a:fld>
+            <a:endParaRPr lang="en-US"/>
+          </a:p>
+        </p:txBody>
+      </p:sp>
+    </p:spTree>
+    <p:extLst>
+      <p:ext uri="{BB962C8B-B14F-4D97-AF65-F5344CB8AC3E}">
+        <p14:creationId xmlns:p14="http://schemas.microsoft.com/office/powerpoint/2010/main" val="1744057298"/>
+      </p:ext>
+    </p:extLst>
+  </p:cSld>
+  <p:clrMapOvr>
+    <a:masterClrMapping/>
+  </p:clrMapOvr>
+  <p:timing>
+    <p:tnLst>
+      <p:par>
+        <p:cTn id="1" dur="indefinite" restart="never" nodeType="tmRoot"/>
+      </p:par>
+    </p:tnLst>
+  </p:timing>
+</p:sld>
+</file>
+
+<file path=ppt/slides/slide12.xml><?xml version="1.0" encoding="utf-8"?>
+<p:sld xmlns:a="http://schemas.openxmlformats.org/drawingml/2006/main" xmlns:r="http://schemas.openxmlformats.org/officeDocument/2006/relationships" xmlns:p="http://schemas.openxmlformats.org/presentationml/2006/main">
+  <p:cSld>
+    <p:spTree>
+      <p:nvGrpSpPr>
+        <p:cNvPr id="1" name=""/>
+        <p:cNvGrpSpPr/>
+        <p:nvPr/>
+      </p:nvGrpSpPr>
+      <p:grpSpPr>
+        <a:xfrm>
+          <a:off x="0" y="0"/>
+          <a:ext cx="0" cy="0"/>
+          <a:chOff x="0" y="0"/>
+          <a:chExt cx="0" cy="0"/>
+        </a:xfrm>
+      </p:grpSpPr>
+      <p:sp>
+        <p:nvSpPr>
+          <p:cNvPr id="4" name="Footer Placeholder 3"/>
+          <p:cNvSpPr>
+            <a:spLocks noGrp="1"/>
+          </p:cNvSpPr>
+          <p:nvPr>
+            <p:ph type="ftr" sz="quarter" idx="11"/>
+          </p:nvPr>
+        </p:nvSpPr>
+        <p:spPr/>
+        <p:txBody>
+          <a:bodyPr/>
+          <a:lstStyle/>
+          <a:p>
+            <a:r>
+              <a:rPr lang="en-US" smtClean="0"/>
+              <a:t>AFE Co-integration </a:t>
+            </a:r>
+            <a:endParaRPr lang="en-US"/>
+          </a:p>
+        </p:txBody>
+      </p:sp>
+      <p:sp>
+        <p:nvSpPr>
+          <p:cNvPr id="5" name="Slide Number Placeholder 4"/>
+          <p:cNvSpPr>
+            <a:spLocks noGrp="1"/>
+          </p:cNvSpPr>
+          <p:nvPr>
+            <p:ph type="sldNum" sz="quarter" idx="12"/>
+          </p:nvPr>
+        </p:nvSpPr>
+        <p:spPr/>
+        <p:txBody>
+          <a:bodyPr/>
+          <a:lstStyle/>
+          <a:p>
+            <a:fld id="{A12BF9DC-6230-497F-8D42-9CD30A517941}" type="slidenum">
+              <a:rPr lang="en-US" smtClean="0"/>
+              <a:t>12</a:t>
+            </a:fld>
+            <a:endParaRPr lang="en-US"/>
+          </a:p>
+        </p:txBody>
+      </p:sp>
+      <p:sp>
+        <p:nvSpPr>
+          <p:cNvPr id="6" name="TextBox 5"/>
+          <p:cNvSpPr txBox="1"/>
+          <p:nvPr/>
+        </p:nvSpPr>
+        <p:spPr>
+          <a:xfrm>
+            <a:off x="1869141" y="2918012"/>
+            <a:ext cx="9130552" cy="1107996"/>
+          </a:xfrm>
+          <a:prstGeom prst="rect">
+            <a:avLst/>
+          </a:prstGeom>
+          <a:noFill/>
+        </p:spPr>
+        <p:txBody>
+          <a:bodyPr wrap="square" rtlCol="0">
+            <a:spAutoFit/>
+          </a:bodyPr>
+          <a:lstStyle/>
+          <a:p>
+            <a:pPr algn="ctr"/>
+            <a:r>
+              <a:rPr lang="en-US" sz="6600" dirty="0" smtClean="0"/>
+              <a:t>Thank you!</a:t>
+            </a:r>
+            <a:endParaRPr lang="en-US" sz="6600" dirty="0"/>
+          </a:p>
+        </p:txBody>
+      </p:sp>
+    </p:spTree>
+    <p:extLst>
+      <p:ext uri="{BB962C8B-B14F-4D97-AF65-F5344CB8AC3E}">
+        <p14:creationId xmlns:p14="http://schemas.microsoft.com/office/powerpoint/2010/main" val="1265913682"/>
+      </p:ext>
+    </p:extLst>
+  </p:cSld>
+  <p:clrMapOvr>
+    <a:masterClrMapping/>
+  </p:clrMapOvr>
+  <p:timing>
+    <p:tnLst>
+      <p:par>
+        <p:cTn id="1" dur="indefinite" restart="never" nodeType="tmRoot"/>
+      </p:par>
+    </p:tnLst>
+  </p:timing>
 </p:sld>
 </file>
 
@@ -3267,15 +4182,107 @@
           <a:p>
             <a:r>
               <a:rPr lang="en-US" dirty="0" smtClean="0"/>
-              <a:t>The objective of this assignment is to perform co-integration analysis on the GOLD and NIFTY </a:t>
-            </a:r>
-            <a:r>
-              <a:rPr lang="en-US" smtClean="0"/>
-              <a:t>50 price time series</a:t>
-            </a:r>
+              <a:t>The objective of this assignment is to perform co-integration analysis on the GOLD and NIFTY 50 price time series data</a:t>
+            </a:r>
+          </a:p>
+          <a:p>
+            <a:r>
+              <a:rPr lang="en-US" dirty="0" smtClean="0"/>
+              <a:t>The data are tested for a con-integrating relationship using three methods:</a:t>
+            </a:r>
+          </a:p>
+          <a:p>
+            <a:pPr marL="0" indent="0">
+              <a:buNone/>
+            </a:pPr>
+            <a:r>
+              <a:rPr lang="en-US" dirty="0" smtClean="0"/>
+              <a:t>	1. Linear Modeling</a:t>
+            </a:r>
+          </a:p>
+          <a:p>
+            <a:pPr marL="0" indent="0">
+              <a:buNone/>
+            </a:pPr>
+            <a:r>
+              <a:rPr lang="en-US" dirty="0"/>
+              <a:t>	</a:t>
+            </a:r>
+            <a:r>
+              <a:rPr lang="en-US" dirty="0" smtClean="0"/>
+              <a:t>2. VAR method</a:t>
+            </a:r>
+          </a:p>
+          <a:p>
+            <a:pPr marL="0" indent="0">
+              <a:buNone/>
+            </a:pPr>
+            <a:r>
+              <a:rPr lang="en-US" dirty="0"/>
+              <a:t>	</a:t>
+            </a:r>
+            <a:r>
+              <a:rPr lang="en-US" dirty="0" smtClean="0"/>
+              <a:t>3. Granger causality testing</a:t>
+            </a:r>
+          </a:p>
+          <a:p>
+            <a:pPr marL="0" indent="0">
+              <a:buNone/>
+            </a:pPr>
+            <a:endParaRPr lang="en-US" dirty="0" smtClean="0"/>
+          </a:p>
+          <a:p>
+            <a:endParaRPr lang="en-US" dirty="0" smtClean="0"/>
           </a:p>
           <a:p>
             <a:endParaRPr lang="en-US" dirty="0"/>
+          </a:p>
+        </p:txBody>
+      </p:sp>
+      <p:sp>
+        <p:nvSpPr>
+          <p:cNvPr id="4" name="Footer Placeholder 3"/>
+          <p:cNvSpPr>
+            <a:spLocks noGrp="1"/>
+          </p:cNvSpPr>
+          <p:nvPr>
+            <p:ph type="ftr" sz="quarter" idx="11"/>
+          </p:nvPr>
+        </p:nvSpPr>
+        <p:spPr/>
+        <p:txBody>
+          <a:bodyPr/>
+          <a:lstStyle/>
+          <a:p>
+            <a:r>
+              <a:rPr lang="en-US" smtClean="0"/>
+              <a:t>AFE Co-integration </a:t>
+            </a:r>
+            <a:endParaRPr lang="en-US"/>
+          </a:p>
+        </p:txBody>
+      </p:sp>
+      <p:sp>
+        <p:nvSpPr>
+          <p:cNvPr id="5" name="Slide Number Placeholder 4"/>
+          <p:cNvSpPr>
+            <a:spLocks noGrp="1"/>
+          </p:cNvSpPr>
+          <p:nvPr>
+            <p:ph type="sldNum" sz="quarter" idx="12"/>
+          </p:nvPr>
+        </p:nvSpPr>
+        <p:spPr/>
+        <p:txBody>
+          <a:bodyPr/>
+          <a:lstStyle/>
+          <a:p>
+            <a:fld id="{A12BF9DC-6230-497F-8D42-9CD30A517941}" type="slidenum">
+              <a:rPr lang="en-US" smtClean="0"/>
+              <a:t>2</a:t>
+            </a:fld>
+            <a:endParaRPr lang="en-US"/>
           </a:p>
         </p:txBody>
       </p:sp>
@@ -3289,6 +4296,1180 @@
   <p:clrMapOvr>
     <a:masterClrMapping/>
   </p:clrMapOvr>
+  <p:timing>
+    <p:tnLst>
+      <p:par>
+        <p:cTn id="1" dur="indefinite" restart="never" nodeType="tmRoot"/>
+      </p:par>
+    </p:tnLst>
+  </p:timing>
+</p:sld>
+</file>
+
+<file path=ppt/slides/slide3.xml><?xml version="1.0" encoding="utf-8"?>
+<p:sld xmlns:a="http://schemas.openxmlformats.org/drawingml/2006/main" xmlns:r="http://schemas.openxmlformats.org/officeDocument/2006/relationships" xmlns:p="http://schemas.openxmlformats.org/presentationml/2006/main">
+  <p:cSld>
+    <p:spTree>
+      <p:nvGrpSpPr>
+        <p:cNvPr id="1" name=""/>
+        <p:cNvGrpSpPr/>
+        <p:nvPr/>
+      </p:nvGrpSpPr>
+      <p:grpSpPr>
+        <a:xfrm>
+          <a:off x="0" y="0"/>
+          <a:ext cx="0" cy="0"/>
+          <a:chOff x="0" y="0"/>
+          <a:chExt cx="0" cy="0"/>
+        </a:xfrm>
+      </p:grpSpPr>
+      <p:pic>
+        <p:nvPicPr>
+          <p:cNvPr id="7" name="Content Placeholder 6"/>
+          <p:cNvPicPr>
+            <a:picLocks noGrp="1" noChangeAspect="1"/>
+          </p:cNvPicPr>
+          <p:nvPr>
+            <p:ph sz="half" idx="1"/>
+          </p:nvPr>
+        </p:nvPicPr>
+        <p:blipFill>
+          <a:blip r:embed="rId2"/>
+          <a:stretch>
+            <a:fillRect/>
+          </a:stretch>
+        </p:blipFill>
+        <p:spPr>
+          <a:xfrm>
+            <a:off x="558053" y="941294"/>
+            <a:ext cx="5337922" cy="3822607"/>
+          </a:xfrm>
+          <a:prstGeom prst="rect">
+            <a:avLst/>
+          </a:prstGeom>
+        </p:spPr>
+      </p:pic>
+      <p:sp>
+        <p:nvSpPr>
+          <p:cNvPr id="6" name="Content Placeholder 5"/>
+          <p:cNvSpPr>
+            <a:spLocks noGrp="1"/>
+          </p:cNvSpPr>
+          <p:nvPr>
+            <p:ph sz="half" idx="2"/>
+          </p:nvPr>
+        </p:nvSpPr>
+        <p:spPr>
+          <a:xfrm>
+            <a:off x="6172200" y="941294"/>
+            <a:ext cx="5181600" cy="968188"/>
+          </a:xfrm>
+        </p:spPr>
+        <p:txBody>
+          <a:bodyPr>
+            <a:normAutofit/>
+          </a:bodyPr>
+          <a:lstStyle/>
+          <a:p>
+            <a:r>
+              <a:rPr lang="en-US" sz="1600" dirty="0" smtClean="0"/>
+              <a:t>Nifty50 prices are for the period from March 02, 2015 to February 29, 2016</a:t>
+            </a:r>
+          </a:p>
+          <a:p>
+            <a:r>
+              <a:rPr lang="en-US" sz="1600" dirty="0" smtClean="0"/>
+              <a:t>Price data have been downloaded from investing.com</a:t>
+            </a:r>
+            <a:endParaRPr lang="en-US" sz="1600" dirty="0"/>
+          </a:p>
+        </p:txBody>
+      </p:sp>
+      <p:pic>
+        <p:nvPicPr>
+          <p:cNvPr id="8" name="Picture 7"/>
+          <p:cNvPicPr>
+            <a:picLocks noChangeAspect="1"/>
+          </p:cNvPicPr>
+          <p:nvPr/>
+        </p:nvPicPr>
+        <p:blipFill>
+          <a:blip r:embed="rId3"/>
+          <a:stretch>
+            <a:fillRect/>
+          </a:stretch>
+        </p:blipFill>
+        <p:spPr>
+          <a:xfrm>
+            <a:off x="6172200" y="2047599"/>
+            <a:ext cx="5181600" cy="4200525"/>
+          </a:xfrm>
+          <a:prstGeom prst="rect">
+            <a:avLst/>
+          </a:prstGeom>
+        </p:spPr>
+      </p:pic>
+      <p:sp>
+        <p:nvSpPr>
+          <p:cNvPr id="9" name="TextBox 8"/>
+          <p:cNvSpPr txBox="1"/>
+          <p:nvPr/>
+        </p:nvSpPr>
+        <p:spPr>
+          <a:xfrm>
+            <a:off x="502024" y="5172360"/>
+            <a:ext cx="5051611" cy="1255334"/>
+          </a:xfrm>
+          <a:prstGeom prst="rect">
+            <a:avLst/>
+          </a:prstGeom>
+        </p:spPr>
+        <p:txBody>
+          <a:bodyPr vert="horz" lIns="91440" tIns="45720" rIns="91440" bIns="45720" rtlCol="0">
+            <a:normAutofit fontScale="92500" lnSpcReduction="20000"/>
+          </a:bodyPr>
+          <a:lstStyle>
+            <a:lvl1pPr marL="228600" indent="-228600">
+              <a:lnSpc>
+                <a:spcPct val="90000"/>
+              </a:lnSpc>
+              <a:spcBef>
+                <a:spcPts val="1000"/>
+              </a:spcBef>
+              <a:buFont typeface="Arial" panose="020B0604020202020204" pitchFamily="34" charset="0"/>
+              <a:buChar char="•"/>
+              <a:defRPr sz="1600"/>
+            </a:lvl1pPr>
+            <a:lvl2pPr marL="685800" indent="-228600">
+              <a:lnSpc>
+                <a:spcPct val="90000"/>
+              </a:lnSpc>
+              <a:spcBef>
+                <a:spcPts val="500"/>
+              </a:spcBef>
+              <a:buFont typeface="Arial" panose="020B0604020202020204" pitchFamily="34" charset="0"/>
+              <a:buChar char="•"/>
+              <a:defRPr sz="2400"/>
+            </a:lvl2pPr>
+            <a:lvl3pPr marL="1143000" indent="-228600">
+              <a:lnSpc>
+                <a:spcPct val="90000"/>
+              </a:lnSpc>
+              <a:spcBef>
+                <a:spcPts val="500"/>
+              </a:spcBef>
+              <a:buFont typeface="Arial" panose="020B0604020202020204" pitchFamily="34" charset="0"/>
+              <a:buChar char="•"/>
+              <a:defRPr sz="2000"/>
+            </a:lvl3pPr>
+            <a:lvl4pPr marL="1600200" indent="-228600">
+              <a:lnSpc>
+                <a:spcPct val="90000"/>
+              </a:lnSpc>
+              <a:spcBef>
+                <a:spcPts val="500"/>
+              </a:spcBef>
+              <a:buFont typeface="Arial" panose="020B0604020202020204" pitchFamily="34" charset="0"/>
+              <a:buChar char="•"/>
+            </a:lvl4pPr>
+            <a:lvl5pPr marL="2057400" indent="-228600">
+              <a:lnSpc>
+                <a:spcPct val="90000"/>
+              </a:lnSpc>
+              <a:spcBef>
+                <a:spcPts val="500"/>
+              </a:spcBef>
+              <a:buFont typeface="Arial" panose="020B0604020202020204" pitchFamily="34" charset="0"/>
+              <a:buChar char="•"/>
+            </a:lvl5pPr>
+            <a:lvl6pPr marL="2514600" indent="-228600">
+              <a:lnSpc>
+                <a:spcPct val="90000"/>
+              </a:lnSpc>
+              <a:spcBef>
+                <a:spcPts val="500"/>
+              </a:spcBef>
+              <a:buFont typeface="Arial" panose="020B0604020202020204" pitchFamily="34" charset="0"/>
+              <a:buChar char="•"/>
+            </a:lvl6pPr>
+            <a:lvl7pPr marL="2971800" indent="-228600">
+              <a:lnSpc>
+                <a:spcPct val="90000"/>
+              </a:lnSpc>
+              <a:spcBef>
+                <a:spcPts val="500"/>
+              </a:spcBef>
+              <a:buFont typeface="Arial" panose="020B0604020202020204" pitchFamily="34" charset="0"/>
+              <a:buChar char="•"/>
+            </a:lvl7pPr>
+            <a:lvl8pPr marL="3429000" indent="-228600">
+              <a:lnSpc>
+                <a:spcPct val="90000"/>
+              </a:lnSpc>
+              <a:spcBef>
+                <a:spcPts val="500"/>
+              </a:spcBef>
+              <a:buFont typeface="Arial" panose="020B0604020202020204" pitchFamily="34" charset="0"/>
+              <a:buChar char="•"/>
+            </a:lvl8pPr>
+            <a:lvl9pPr marL="3886200" indent="-228600">
+              <a:lnSpc>
+                <a:spcPct val="90000"/>
+              </a:lnSpc>
+              <a:spcBef>
+                <a:spcPts val="500"/>
+              </a:spcBef>
+              <a:buFont typeface="Arial" panose="020B0604020202020204" pitchFamily="34" charset="0"/>
+              <a:buChar char="•"/>
+            </a:lvl9pPr>
+          </a:lstStyle>
+          <a:p>
+            <a:r>
+              <a:rPr lang="en-US" dirty="0" smtClean="0"/>
+              <a:t>Gold prices are for the period from March 02, 2015 to February 29, 2016 </a:t>
+            </a:r>
+          </a:p>
+          <a:p>
+            <a:r>
+              <a:rPr lang="en-US" dirty="0" smtClean="0"/>
+              <a:t>Price data have been downloaded from investing.com</a:t>
+            </a:r>
+          </a:p>
+          <a:p>
+            <a:r>
+              <a:rPr lang="en-US" dirty="0" smtClean="0"/>
+              <a:t>Some data points for Gold have been eliminated to align the two time series successfully.</a:t>
+            </a:r>
+            <a:endParaRPr lang="en-US" dirty="0"/>
+          </a:p>
+        </p:txBody>
+      </p:sp>
+      <p:sp>
+        <p:nvSpPr>
+          <p:cNvPr id="10" name="Title 1"/>
+          <p:cNvSpPr>
+            <a:spLocks noGrp="1"/>
+          </p:cNvSpPr>
+          <p:nvPr>
+            <p:ph type="title"/>
+          </p:nvPr>
+        </p:nvSpPr>
+        <p:spPr>
+          <a:xfrm>
+            <a:off x="838200" y="365126"/>
+            <a:ext cx="10515600" cy="438052"/>
+          </a:xfrm>
+        </p:spPr>
+        <p:txBody>
+          <a:bodyPr>
+            <a:normAutofit fontScale="90000"/>
+          </a:bodyPr>
+          <a:lstStyle/>
+          <a:p>
+            <a:r>
+              <a:rPr lang="en-US" dirty="0" smtClean="0"/>
+              <a:t>About the data …</a:t>
+            </a:r>
+            <a:endParaRPr lang="en-US" dirty="0"/>
+          </a:p>
+        </p:txBody>
+      </p:sp>
+      <p:sp>
+        <p:nvSpPr>
+          <p:cNvPr id="11" name="Footer Placeholder 10"/>
+          <p:cNvSpPr>
+            <a:spLocks noGrp="1"/>
+          </p:cNvSpPr>
+          <p:nvPr>
+            <p:ph type="ftr" sz="quarter" idx="11"/>
+          </p:nvPr>
+        </p:nvSpPr>
+        <p:spPr/>
+        <p:txBody>
+          <a:bodyPr/>
+          <a:lstStyle/>
+          <a:p>
+            <a:r>
+              <a:rPr lang="en-US" smtClean="0"/>
+              <a:t>AFE Co-integration </a:t>
+            </a:r>
+            <a:endParaRPr lang="en-US"/>
+          </a:p>
+        </p:txBody>
+      </p:sp>
+      <p:sp>
+        <p:nvSpPr>
+          <p:cNvPr id="12" name="Slide Number Placeholder 11"/>
+          <p:cNvSpPr>
+            <a:spLocks noGrp="1"/>
+          </p:cNvSpPr>
+          <p:nvPr>
+            <p:ph type="sldNum" sz="quarter" idx="12"/>
+          </p:nvPr>
+        </p:nvSpPr>
+        <p:spPr/>
+        <p:txBody>
+          <a:bodyPr/>
+          <a:lstStyle/>
+          <a:p>
+            <a:fld id="{A12BF9DC-6230-497F-8D42-9CD30A517941}" type="slidenum">
+              <a:rPr lang="en-US" smtClean="0"/>
+              <a:t>3</a:t>
+            </a:fld>
+            <a:endParaRPr lang="en-US"/>
+          </a:p>
+        </p:txBody>
+      </p:sp>
+    </p:spTree>
+    <p:extLst>
+      <p:ext uri="{BB962C8B-B14F-4D97-AF65-F5344CB8AC3E}">
+        <p14:creationId xmlns:p14="http://schemas.microsoft.com/office/powerpoint/2010/main" val="4148967547"/>
+      </p:ext>
+    </p:extLst>
+  </p:cSld>
+  <p:clrMapOvr>
+    <a:masterClrMapping/>
+  </p:clrMapOvr>
+  <p:timing>
+    <p:tnLst>
+      <p:par>
+        <p:cTn id="1" dur="indefinite" restart="never" nodeType="tmRoot"/>
+      </p:par>
+    </p:tnLst>
+  </p:timing>
+</p:sld>
+</file>
+
+<file path=ppt/slides/slide4.xml><?xml version="1.0" encoding="utf-8"?>
+<p:sld xmlns:a="http://schemas.openxmlformats.org/drawingml/2006/main" xmlns:r="http://schemas.openxmlformats.org/officeDocument/2006/relationships" xmlns:p="http://schemas.openxmlformats.org/presentationml/2006/main">
+  <p:cSld>
+    <p:spTree>
+      <p:nvGrpSpPr>
+        <p:cNvPr id="1" name=""/>
+        <p:cNvGrpSpPr/>
+        <p:nvPr/>
+      </p:nvGrpSpPr>
+      <p:grpSpPr>
+        <a:xfrm>
+          <a:off x="0" y="0"/>
+          <a:ext cx="0" cy="0"/>
+          <a:chOff x="0" y="0"/>
+          <a:chExt cx="0" cy="0"/>
+        </a:xfrm>
+      </p:grpSpPr>
+      <p:pic>
+        <p:nvPicPr>
+          <p:cNvPr id="12" name="Picture 11"/>
+          <p:cNvPicPr>
+            <a:picLocks noChangeAspect="1"/>
+          </p:cNvPicPr>
+          <p:nvPr/>
+        </p:nvPicPr>
+        <p:blipFill>
+          <a:blip r:embed="rId2"/>
+          <a:stretch>
+            <a:fillRect/>
+          </a:stretch>
+        </p:blipFill>
+        <p:spPr>
+          <a:xfrm>
+            <a:off x="585787" y="404812"/>
+            <a:ext cx="11020425" cy="6048375"/>
+          </a:xfrm>
+          <a:prstGeom prst="rect">
+            <a:avLst/>
+          </a:prstGeom>
+        </p:spPr>
+      </p:pic>
+      <p:sp>
+        <p:nvSpPr>
+          <p:cNvPr id="13" name="Footer Placeholder 12"/>
+          <p:cNvSpPr>
+            <a:spLocks noGrp="1"/>
+          </p:cNvSpPr>
+          <p:nvPr>
+            <p:ph type="ftr" sz="quarter" idx="11"/>
+          </p:nvPr>
+        </p:nvSpPr>
+        <p:spPr/>
+        <p:txBody>
+          <a:bodyPr/>
+          <a:lstStyle/>
+          <a:p>
+            <a:r>
+              <a:rPr lang="en-US" smtClean="0"/>
+              <a:t>AFE Co-integration </a:t>
+            </a:r>
+            <a:endParaRPr lang="en-US"/>
+          </a:p>
+        </p:txBody>
+      </p:sp>
+      <p:sp>
+        <p:nvSpPr>
+          <p:cNvPr id="14" name="Slide Number Placeholder 13"/>
+          <p:cNvSpPr>
+            <a:spLocks noGrp="1"/>
+          </p:cNvSpPr>
+          <p:nvPr>
+            <p:ph type="sldNum" sz="quarter" idx="12"/>
+          </p:nvPr>
+        </p:nvSpPr>
+        <p:spPr/>
+        <p:txBody>
+          <a:bodyPr/>
+          <a:lstStyle/>
+          <a:p>
+            <a:fld id="{A12BF9DC-6230-497F-8D42-9CD30A517941}" type="slidenum">
+              <a:rPr lang="en-US" smtClean="0"/>
+              <a:t>4</a:t>
+            </a:fld>
+            <a:endParaRPr lang="en-US"/>
+          </a:p>
+        </p:txBody>
+      </p:sp>
+    </p:spTree>
+    <p:extLst>
+      <p:ext uri="{BB962C8B-B14F-4D97-AF65-F5344CB8AC3E}">
+        <p14:creationId xmlns:p14="http://schemas.microsoft.com/office/powerpoint/2010/main" val="998481838"/>
+      </p:ext>
+    </p:extLst>
+  </p:cSld>
+  <p:clrMapOvr>
+    <a:masterClrMapping/>
+  </p:clrMapOvr>
+  <p:timing>
+    <p:tnLst>
+      <p:par>
+        <p:cTn id="1" dur="indefinite" restart="never" nodeType="tmRoot"/>
+      </p:par>
+    </p:tnLst>
+  </p:timing>
+</p:sld>
+</file>
+
+<file path=ppt/slides/slide5.xml><?xml version="1.0" encoding="utf-8"?>
+<p:sld xmlns:a="http://schemas.openxmlformats.org/drawingml/2006/main" xmlns:r="http://schemas.openxmlformats.org/officeDocument/2006/relationships" xmlns:p="http://schemas.openxmlformats.org/presentationml/2006/main">
+  <p:cSld>
+    <p:spTree>
+      <p:nvGrpSpPr>
+        <p:cNvPr id="1" name=""/>
+        <p:cNvGrpSpPr/>
+        <p:nvPr/>
+      </p:nvGrpSpPr>
+      <p:grpSpPr>
+        <a:xfrm>
+          <a:off x="0" y="0"/>
+          <a:ext cx="0" cy="0"/>
+          <a:chOff x="0" y="0"/>
+          <a:chExt cx="0" cy="0"/>
+        </a:xfrm>
+      </p:grpSpPr>
+      <p:pic>
+        <p:nvPicPr>
+          <p:cNvPr id="2" name="Picture 1"/>
+          <p:cNvPicPr>
+            <a:picLocks noChangeAspect="1"/>
+          </p:cNvPicPr>
+          <p:nvPr/>
+        </p:nvPicPr>
+        <p:blipFill>
+          <a:blip r:embed="rId2"/>
+          <a:stretch>
+            <a:fillRect/>
+          </a:stretch>
+        </p:blipFill>
+        <p:spPr>
+          <a:xfrm>
+            <a:off x="461962" y="376237"/>
+            <a:ext cx="11268075" cy="6105525"/>
+          </a:xfrm>
+          <a:prstGeom prst="rect">
+            <a:avLst/>
+          </a:prstGeom>
+        </p:spPr>
+      </p:pic>
+      <p:sp>
+        <p:nvSpPr>
+          <p:cNvPr id="3" name="Footer Placeholder 2"/>
+          <p:cNvSpPr>
+            <a:spLocks noGrp="1"/>
+          </p:cNvSpPr>
+          <p:nvPr>
+            <p:ph type="ftr" sz="quarter" idx="11"/>
+          </p:nvPr>
+        </p:nvSpPr>
+        <p:spPr/>
+        <p:txBody>
+          <a:bodyPr/>
+          <a:lstStyle/>
+          <a:p>
+            <a:r>
+              <a:rPr lang="en-US" smtClean="0"/>
+              <a:t>AFE Co-integration </a:t>
+            </a:r>
+            <a:endParaRPr lang="en-US"/>
+          </a:p>
+        </p:txBody>
+      </p:sp>
+      <p:sp>
+        <p:nvSpPr>
+          <p:cNvPr id="4" name="Slide Number Placeholder 3"/>
+          <p:cNvSpPr>
+            <a:spLocks noGrp="1"/>
+          </p:cNvSpPr>
+          <p:nvPr>
+            <p:ph type="sldNum" sz="quarter" idx="12"/>
+          </p:nvPr>
+        </p:nvSpPr>
+        <p:spPr/>
+        <p:txBody>
+          <a:bodyPr/>
+          <a:lstStyle/>
+          <a:p>
+            <a:fld id="{A12BF9DC-6230-497F-8D42-9CD30A517941}" type="slidenum">
+              <a:rPr lang="en-US" smtClean="0"/>
+              <a:t>5</a:t>
+            </a:fld>
+            <a:endParaRPr lang="en-US"/>
+          </a:p>
+        </p:txBody>
+      </p:sp>
+    </p:spTree>
+    <p:extLst>
+      <p:ext uri="{BB962C8B-B14F-4D97-AF65-F5344CB8AC3E}">
+        <p14:creationId xmlns:p14="http://schemas.microsoft.com/office/powerpoint/2010/main" val="1998325077"/>
+      </p:ext>
+    </p:extLst>
+  </p:cSld>
+  <p:clrMapOvr>
+    <a:masterClrMapping/>
+  </p:clrMapOvr>
+  <p:timing>
+    <p:tnLst>
+      <p:par>
+        <p:cTn id="1" dur="indefinite" restart="never" nodeType="tmRoot"/>
+      </p:par>
+    </p:tnLst>
+  </p:timing>
+</p:sld>
+</file>
+
+<file path=ppt/slides/slide6.xml><?xml version="1.0" encoding="utf-8"?>
+<p:sld xmlns:a="http://schemas.openxmlformats.org/drawingml/2006/main" xmlns:r="http://schemas.openxmlformats.org/officeDocument/2006/relationships" xmlns:p="http://schemas.openxmlformats.org/presentationml/2006/main">
+  <p:cSld>
+    <p:spTree>
+      <p:nvGrpSpPr>
+        <p:cNvPr id="1" name=""/>
+        <p:cNvGrpSpPr/>
+        <p:nvPr/>
+      </p:nvGrpSpPr>
+      <p:grpSpPr>
+        <a:xfrm>
+          <a:off x="0" y="0"/>
+          <a:ext cx="0" cy="0"/>
+          <a:chOff x="0" y="0"/>
+          <a:chExt cx="0" cy="0"/>
+        </a:xfrm>
+      </p:grpSpPr>
+      <p:pic>
+        <p:nvPicPr>
+          <p:cNvPr id="2" name="Picture 1"/>
+          <p:cNvPicPr>
+            <a:picLocks noChangeAspect="1"/>
+          </p:cNvPicPr>
+          <p:nvPr/>
+        </p:nvPicPr>
+        <p:blipFill>
+          <a:blip r:embed="rId2"/>
+          <a:stretch>
+            <a:fillRect/>
+          </a:stretch>
+        </p:blipFill>
+        <p:spPr>
+          <a:xfrm>
+            <a:off x="614362" y="347662"/>
+            <a:ext cx="10963275" cy="6162675"/>
+          </a:xfrm>
+          <a:prstGeom prst="rect">
+            <a:avLst/>
+          </a:prstGeom>
+        </p:spPr>
+      </p:pic>
+      <p:sp>
+        <p:nvSpPr>
+          <p:cNvPr id="3" name="Footer Placeholder 2"/>
+          <p:cNvSpPr>
+            <a:spLocks noGrp="1"/>
+          </p:cNvSpPr>
+          <p:nvPr>
+            <p:ph type="ftr" sz="quarter" idx="11"/>
+          </p:nvPr>
+        </p:nvSpPr>
+        <p:spPr/>
+        <p:txBody>
+          <a:bodyPr/>
+          <a:lstStyle/>
+          <a:p>
+            <a:r>
+              <a:rPr lang="en-US" smtClean="0"/>
+              <a:t>AFE Co-integration </a:t>
+            </a:r>
+            <a:endParaRPr lang="en-US"/>
+          </a:p>
+        </p:txBody>
+      </p:sp>
+      <p:sp>
+        <p:nvSpPr>
+          <p:cNvPr id="4" name="Slide Number Placeholder 3"/>
+          <p:cNvSpPr>
+            <a:spLocks noGrp="1"/>
+          </p:cNvSpPr>
+          <p:nvPr>
+            <p:ph type="sldNum" sz="quarter" idx="12"/>
+          </p:nvPr>
+        </p:nvSpPr>
+        <p:spPr/>
+        <p:txBody>
+          <a:bodyPr/>
+          <a:lstStyle/>
+          <a:p>
+            <a:fld id="{A12BF9DC-6230-497F-8D42-9CD30A517941}" type="slidenum">
+              <a:rPr lang="en-US" smtClean="0"/>
+              <a:t>6</a:t>
+            </a:fld>
+            <a:endParaRPr lang="en-US"/>
+          </a:p>
+        </p:txBody>
+      </p:sp>
+    </p:spTree>
+    <p:extLst>
+      <p:ext uri="{BB962C8B-B14F-4D97-AF65-F5344CB8AC3E}">
+        <p14:creationId xmlns:p14="http://schemas.microsoft.com/office/powerpoint/2010/main" val="3441039732"/>
+      </p:ext>
+    </p:extLst>
+  </p:cSld>
+  <p:clrMapOvr>
+    <a:masterClrMapping/>
+  </p:clrMapOvr>
+  <p:timing>
+    <p:tnLst>
+      <p:par>
+        <p:cTn id="1" dur="indefinite" restart="never" nodeType="tmRoot"/>
+      </p:par>
+    </p:tnLst>
+  </p:timing>
+</p:sld>
+</file>
+
+<file path=ppt/slides/slide7.xml><?xml version="1.0" encoding="utf-8"?>
+<p:sld xmlns:a="http://schemas.openxmlformats.org/drawingml/2006/main" xmlns:r="http://schemas.openxmlformats.org/officeDocument/2006/relationships" xmlns:p="http://schemas.openxmlformats.org/presentationml/2006/main">
+  <p:cSld>
+    <p:spTree>
+      <p:nvGrpSpPr>
+        <p:cNvPr id="1" name=""/>
+        <p:cNvGrpSpPr/>
+        <p:nvPr/>
+      </p:nvGrpSpPr>
+      <p:grpSpPr>
+        <a:xfrm>
+          <a:off x="0" y="0"/>
+          <a:ext cx="0" cy="0"/>
+          <a:chOff x="0" y="0"/>
+          <a:chExt cx="0" cy="0"/>
+        </a:xfrm>
+      </p:grpSpPr>
+      <p:sp>
+        <p:nvSpPr>
+          <p:cNvPr id="2" name="Title 1"/>
+          <p:cNvSpPr>
+            <a:spLocks noGrp="1"/>
+          </p:cNvSpPr>
+          <p:nvPr>
+            <p:ph type="title"/>
+          </p:nvPr>
+        </p:nvSpPr>
+        <p:spPr/>
+        <p:txBody>
+          <a:bodyPr/>
+          <a:lstStyle/>
+          <a:p>
+            <a:r>
+              <a:rPr lang="en-US" dirty="0" smtClean="0"/>
+              <a:t>Granger Causality test</a:t>
+            </a:r>
+            <a:endParaRPr lang="en-US" dirty="0"/>
+          </a:p>
+        </p:txBody>
+      </p:sp>
+      <p:pic>
+        <p:nvPicPr>
+          <p:cNvPr id="4" name="Content Placeholder 3"/>
+          <p:cNvPicPr>
+            <a:picLocks noGrp="1" noChangeAspect="1"/>
+          </p:cNvPicPr>
+          <p:nvPr>
+            <p:ph idx="1"/>
+          </p:nvPr>
+        </p:nvPicPr>
+        <p:blipFill>
+          <a:blip r:embed="rId2"/>
+          <a:stretch>
+            <a:fillRect/>
+          </a:stretch>
+        </p:blipFill>
+        <p:spPr>
+          <a:xfrm>
+            <a:off x="942196" y="1825625"/>
+            <a:ext cx="10307607" cy="4351338"/>
+          </a:xfrm>
+          <a:prstGeom prst="rect">
+            <a:avLst/>
+          </a:prstGeom>
+        </p:spPr>
+      </p:pic>
+      <p:sp>
+        <p:nvSpPr>
+          <p:cNvPr id="5" name="Footer Placeholder 4"/>
+          <p:cNvSpPr>
+            <a:spLocks noGrp="1"/>
+          </p:cNvSpPr>
+          <p:nvPr>
+            <p:ph type="ftr" sz="quarter" idx="11"/>
+          </p:nvPr>
+        </p:nvSpPr>
+        <p:spPr/>
+        <p:txBody>
+          <a:bodyPr/>
+          <a:lstStyle/>
+          <a:p>
+            <a:r>
+              <a:rPr lang="en-US" smtClean="0"/>
+              <a:t>AFE Co-integration </a:t>
+            </a:r>
+            <a:endParaRPr lang="en-US"/>
+          </a:p>
+        </p:txBody>
+      </p:sp>
+      <p:sp>
+        <p:nvSpPr>
+          <p:cNvPr id="6" name="Slide Number Placeholder 5"/>
+          <p:cNvSpPr>
+            <a:spLocks noGrp="1"/>
+          </p:cNvSpPr>
+          <p:nvPr>
+            <p:ph type="sldNum" sz="quarter" idx="12"/>
+          </p:nvPr>
+        </p:nvSpPr>
+        <p:spPr/>
+        <p:txBody>
+          <a:bodyPr/>
+          <a:lstStyle/>
+          <a:p>
+            <a:fld id="{A12BF9DC-6230-497F-8D42-9CD30A517941}" type="slidenum">
+              <a:rPr lang="en-US" smtClean="0"/>
+              <a:t>7</a:t>
+            </a:fld>
+            <a:endParaRPr lang="en-US"/>
+          </a:p>
+        </p:txBody>
+      </p:sp>
+    </p:spTree>
+    <p:extLst>
+      <p:ext uri="{BB962C8B-B14F-4D97-AF65-F5344CB8AC3E}">
+        <p14:creationId xmlns:p14="http://schemas.microsoft.com/office/powerpoint/2010/main" val="4172978598"/>
+      </p:ext>
+    </p:extLst>
+  </p:cSld>
+  <p:clrMapOvr>
+    <a:masterClrMapping/>
+  </p:clrMapOvr>
+  <p:timing>
+    <p:tnLst>
+      <p:par>
+        <p:cTn id="1" dur="indefinite" restart="never" nodeType="tmRoot"/>
+      </p:par>
+    </p:tnLst>
+  </p:timing>
+</p:sld>
+</file>
+
+<file path=ppt/slides/slide8.xml><?xml version="1.0" encoding="utf-8"?>
+<p:sld xmlns:a="http://schemas.openxmlformats.org/drawingml/2006/main" xmlns:r="http://schemas.openxmlformats.org/officeDocument/2006/relationships" xmlns:p="http://schemas.openxmlformats.org/presentationml/2006/main">
+  <p:cSld>
+    <p:spTree>
+      <p:nvGrpSpPr>
+        <p:cNvPr id="1" name=""/>
+        <p:cNvGrpSpPr/>
+        <p:nvPr/>
+      </p:nvGrpSpPr>
+      <p:grpSpPr>
+        <a:xfrm>
+          <a:off x="0" y="0"/>
+          <a:ext cx="0" cy="0"/>
+          <a:chOff x="0" y="0"/>
+          <a:chExt cx="0" cy="0"/>
+        </a:xfrm>
+      </p:grpSpPr>
+      <p:sp>
+        <p:nvSpPr>
+          <p:cNvPr id="2" name="Title 1"/>
+          <p:cNvSpPr>
+            <a:spLocks noGrp="1"/>
+          </p:cNvSpPr>
+          <p:nvPr>
+            <p:ph type="title"/>
+          </p:nvPr>
+        </p:nvSpPr>
+        <p:spPr/>
+        <p:txBody>
+          <a:bodyPr/>
+          <a:lstStyle/>
+          <a:p>
+            <a:r>
+              <a:rPr lang="en-US" dirty="0" smtClean="0"/>
+              <a:t>VAR Method</a:t>
+            </a:r>
+            <a:endParaRPr lang="en-US" dirty="0"/>
+          </a:p>
+        </p:txBody>
+      </p:sp>
+      <p:sp>
+        <p:nvSpPr>
+          <p:cNvPr id="3" name="Content Placeholder 2"/>
+          <p:cNvSpPr>
+            <a:spLocks noGrp="1"/>
+          </p:cNvSpPr>
+          <p:nvPr>
+            <p:ph sz="half" idx="1"/>
+          </p:nvPr>
+        </p:nvSpPr>
+        <p:spPr/>
+        <p:txBody>
+          <a:bodyPr>
+            <a:normAutofit fontScale="92500" lnSpcReduction="10000"/>
+          </a:bodyPr>
+          <a:lstStyle/>
+          <a:p>
+            <a:endParaRPr lang="en-US" dirty="0" smtClean="0"/>
+          </a:p>
+          <a:p>
+            <a:endParaRPr lang="en-US" dirty="0"/>
+          </a:p>
+          <a:p>
+            <a:endParaRPr lang="en-US" dirty="0" smtClean="0"/>
+          </a:p>
+          <a:p>
+            <a:endParaRPr lang="en-US" dirty="0"/>
+          </a:p>
+          <a:p>
+            <a:endParaRPr lang="en-US" dirty="0" smtClean="0"/>
+          </a:p>
+          <a:p>
+            <a:endParaRPr lang="en-US" sz="1800" dirty="0"/>
+          </a:p>
+        </p:txBody>
+      </p:sp>
+      <p:sp>
+        <p:nvSpPr>
+          <p:cNvPr id="8" name="Content Placeholder 7"/>
+          <p:cNvSpPr>
+            <a:spLocks noGrp="1"/>
+          </p:cNvSpPr>
+          <p:nvPr>
+            <p:ph sz="half" idx="2"/>
+          </p:nvPr>
+        </p:nvSpPr>
+        <p:spPr>
+          <a:xfrm>
+            <a:off x="457200" y="1452282"/>
+            <a:ext cx="10896600" cy="4724681"/>
+          </a:xfrm>
+        </p:spPr>
+        <p:txBody>
+          <a:bodyPr>
+            <a:normAutofit fontScale="92500" lnSpcReduction="10000"/>
+          </a:bodyPr>
+          <a:lstStyle/>
+          <a:p>
+            <a:endParaRPr lang="en-US" dirty="0" smtClean="0"/>
+          </a:p>
+          <a:p>
+            <a:endParaRPr lang="en-US" dirty="0"/>
+          </a:p>
+          <a:p>
+            <a:endParaRPr lang="en-US" dirty="0" smtClean="0"/>
+          </a:p>
+          <a:p>
+            <a:endParaRPr lang="en-US" dirty="0"/>
+          </a:p>
+          <a:p>
+            <a:r>
+              <a:rPr lang="en-US" dirty="0" smtClean="0"/>
+              <a:t>The VAR method is used on both the original and the differenced series</a:t>
+            </a:r>
+          </a:p>
+          <a:p>
+            <a:r>
+              <a:rPr lang="en-US" dirty="0" smtClean="0"/>
+              <a:t>The impulse responses for both models are observed (as depicted in the following slides).</a:t>
+            </a:r>
+          </a:p>
+          <a:p>
+            <a:r>
+              <a:rPr lang="en-US" dirty="0" smtClean="0"/>
+              <a:t>As expected, since the original series are not stationary – the impulse causes a permanent/ longer-term impact to the series</a:t>
+            </a:r>
+          </a:p>
+          <a:p>
+            <a:r>
+              <a:rPr lang="en-US" dirty="0" smtClean="0"/>
+              <a:t>On the other hand, the differenced series are stationary – the impulse disturbs the series in the short-term only.</a:t>
+            </a:r>
+            <a:endParaRPr lang="en-US" dirty="0"/>
+          </a:p>
+        </p:txBody>
+      </p:sp>
+      <p:sp>
+        <p:nvSpPr>
+          <p:cNvPr id="4" name="Footer Placeholder 3"/>
+          <p:cNvSpPr>
+            <a:spLocks noGrp="1"/>
+          </p:cNvSpPr>
+          <p:nvPr>
+            <p:ph type="ftr" sz="quarter" idx="11"/>
+          </p:nvPr>
+        </p:nvSpPr>
+        <p:spPr/>
+        <p:txBody>
+          <a:bodyPr/>
+          <a:lstStyle/>
+          <a:p>
+            <a:r>
+              <a:rPr lang="en-US" smtClean="0"/>
+              <a:t>AFE Co-integration </a:t>
+            </a:r>
+            <a:endParaRPr lang="en-US"/>
+          </a:p>
+        </p:txBody>
+      </p:sp>
+      <p:sp>
+        <p:nvSpPr>
+          <p:cNvPr id="5" name="Slide Number Placeholder 4"/>
+          <p:cNvSpPr>
+            <a:spLocks noGrp="1"/>
+          </p:cNvSpPr>
+          <p:nvPr>
+            <p:ph type="sldNum" sz="quarter" idx="12"/>
+          </p:nvPr>
+        </p:nvSpPr>
+        <p:spPr/>
+        <p:txBody>
+          <a:bodyPr/>
+          <a:lstStyle/>
+          <a:p>
+            <a:fld id="{A12BF9DC-6230-497F-8D42-9CD30A517941}" type="slidenum">
+              <a:rPr lang="en-US" smtClean="0"/>
+              <a:t>8</a:t>
+            </a:fld>
+            <a:endParaRPr lang="en-US"/>
+          </a:p>
+        </p:txBody>
+      </p:sp>
+      <p:pic>
+        <p:nvPicPr>
+          <p:cNvPr id="7" name="Picture 6"/>
+          <p:cNvPicPr>
+            <a:picLocks noChangeAspect="1"/>
+          </p:cNvPicPr>
+          <p:nvPr/>
+        </p:nvPicPr>
+        <p:blipFill>
+          <a:blip r:embed="rId2"/>
+          <a:stretch>
+            <a:fillRect/>
+          </a:stretch>
+        </p:blipFill>
+        <p:spPr>
+          <a:xfrm>
+            <a:off x="838200" y="1476001"/>
+            <a:ext cx="4686300" cy="1428750"/>
+          </a:xfrm>
+          <a:prstGeom prst="rect">
+            <a:avLst/>
+          </a:prstGeom>
+        </p:spPr>
+      </p:pic>
+    </p:spTree>
+    <p:extLst>
+      <p:ext uri="{BB962C8B-B14F-4D97-AF65-F5344CB8AC3E}">
+        <p14:creationId xmlns:p14="http://schemas.microsoft.com/office/powerpoint/2010/main" val="2347596136"/>
+      </p:ext>
+    </p:extLst>
+  </p:cSld>
+  <p:clrMapOvr>
+    <a:masterClrMapping/>
+  </p:clrMapOvr>
+  <p:timing>
+    <p:tnLst>
+      <p:par>
+        <p:cTn id="1" dur="indefinite" restart="never" nodeType="tmRoot"/>
+      </p:par>
+    </p:tnLst>
+  </p:timing>
+</p:sld>
+</file>
+
+<file path=ppt/slides/slide9.xml><?xml version="1.0" encoding="utf-8"?>
+<p:sld xmlns:a="http://schemas.openxmlformats.org/drawingml/2006/main" xmlns:r="http://schemas.openxmlformats.org/officeDocument/2006/relationships" xmlns:p="http://schemas.openxmlformats.org/presentationml/2006/main">
+  <p:cSld>
+    <p:spTree>
+      <p:nvGrpSpPr>
+        <p:cNvPr id="1" name=""/>
+        <p:cNvGrpSpPr/>
+        <p:nvPr/>
+      </p:nvGrpSpPr>
+      <p:grpSpPr>
+        <a:xfrm>
+          <a:off x="0" y="0"/>
+          <a:ext cx="0" cy="0"/>
+          <a:chOff x="0" y="0"/>
+          <a:chExt cx="0" cy="0"/>
+        </a:xfrm>
+      </p:grpSpPr>
+      <p:sp>
+        <p:nvSpPr>
+          <p:cNvPr id="6" name="Title 5"/>
+          <p:cNvSpPr>
+            <a:spLocks noGrp="1"/>
+          </p:cNvSpPr>
+          <p:nvPr>
+            <p:ph type="title"/>
+          </p:nvPr>
+        </p:nvSpPr>
+        <p:spPr/>
+        <p:txBody>
+          <a:bodyPr/>
+          <a:lstStyle/>
+          <a:p>
+            <a:r>
+              <a:rPr lang="en-US" dirty="0" smtClean="0"/>
+              <a:t>Impulse Response – original series</a:t>
+            </a:r>
+            <a:endParaRPr lang="en-US" dirty="0"/>
+          </a:p>
+        </p:txBody>
+      </p:sp>
+      <p:sp>
+        <p:nvSpPr>
+          <p:cNvPr id="4" name="Footer Placeholder 3"/>
+          <p:cNvSpPr>
+            <a:spLocks noGrp="1"/>
+          </p:cNvSpPr>
+          <p:nvPr>
+            <p:ph type="ftr" sz="quarter" idx="11"/>
+          </p:nvPr>
+        </p:nvSpPr>
+        <p:spPr/>
+        <p:txBody>
+          <a:bodyPr/>
+          <a:lstStyle/>
+          <a:p>
+            <a:r>
+              <a:rPr lang="en-US" smtClean="0"/>
+              <a:t>AFE Co-integration </a:t>
+            </a:r>
+            <a:endParaRPr lang="en-US"/>
+          </a:p>
+        </p:txBody>
+      </p:sp>
+      <p:sp>
+        <p:nvSpPr>
+          <p:cNvPr id="5" name="Slide Number Placeholder 4"/>
+          <p:cNvSpPr>
+            <a:spLocks noGrp="1"/>
+          </p:cNvSpPr>
+          <p:nvPr>
+            <p:ph type="sldNum" sz="quarter" idx="12"/>
+          </p:nvPr>
+        </p:nvSpPr>
+        <p:spPr/>
+        <p:txBody>
+          <a:bodyPr/>
+          <a:lstStyle/>
+          <a:p>
+            <a:fld id="{A12BF9DC-6230-497F-8D42-9CD30A517941}" type="slidenum">
+              <a:rPr lang="en-US" smtClean="0"/>
+              <a:t>9</a:t>
+            </a:fld>
+            <a:endParaRPr lang="en-US"/>
+          </a:p>
+        </p:txBody>
+      </p:sp>
+      <p:pic>
+        <p:nvPicPr>
+          <p:cNvPr id="12" name="Picture 11"/>
+          <p:cNvPicPr>
+            <a:picLocks noChangeAspect="1"/>
+          </p:cNvPicPr>
+          <p:nvPr/>
+        </p:nvPicPr>
+        <p:blipFill>
+          <a:blip r:embed="rId2"/>
+          <a:stretch>
+            <a:fillRect/>
+          </a:stretch>
+        </p:blipFill>
+        <p:spPr>
+          <a:xfrm>
+            <a:off x="443754" y="1702313"/>
+            <a:ext cx="5472952" cy="4397343"/>
+          </a:xfrm>
+          <a:prstGeom prst="rect">
+            <a:avLst/>
+          </a:prstGeom>
+        </p:spPr>
+      </p:pic>
+      <p:pic>
+        <p:nvPicPr>
+          <p:cNvPr id="14" name="Picture 13"/>
+          <p:cNvPicPr>
+            <a:picLocks noChangeAspect="1"/>
+          </p:cNvPicPr>
+          <p:nvPr/>
+        </p:nvPicPr>
+        <p:blipFill>
+          <a:blip r:embed="rId3"/>
+          <a:stretch>
+            <a:fillRect/>
+          </a:stretch>
+        </p:blipFill>
+        <p:spPr>
+          <a:xfrm>
+            <a:off x="6080349" y="1675420"/>
+            <a:ext cx="5430334" cy="4379682"/>
+          </a:xfrm>
+          <a:prstGeom prst="rect">
+            <a:avLst/>
+          </a:prstGeom>
+        </p:spPr>
+      </p:pic>
+    </p:spTree>
+    <p:extLst>
+      <p:ext uri="{BB962C8B-B14F-4D97-AF65-F5344CB8AC3E}">
+        <p14:creationId xmlns:p14="http://schemas.microsoft.com/office/powerpoint/2010/main" val="2482556713"/>
+      </p:ext>
+    </p:extLst>
+  </p:cSld>
+  <p:clrMapOvr>
+    <a:masterClrMapping/>
+  </p:clrMapOvr>
+  <p:timing>
+    <p:tnLst>
+      <p:par>
+        <p:cTn id="1" dur="indefinite" restart="never" nodeType="tmRoot"/>
+      </p:par>
+    </p:tnLst>
+  </p:timing>
 </p:sld>
 </file>
 
@@ -3551,4 +5732,265 @@
     </a:ext>
   </a:extLst>
 </a:theme>
+</file>
+
+<file path=ppt/theme/theme2.xml><?xml version="1.0" encoding="utf-8"?>
+<a:theme xmlns:a="http://schemas.openxmlformats.org/drawingml/2006/main" name="Office Theme">
+  <a:themeElements>
+    <a:clrScheme name="Office">
+      <a:dk1>
+        <a:sysClr val="windowText" lastClr="000000"/>
+      </a:dk1>
+      <a:lt1>
+        <a:sysClr val="window" lastClr="FFFFFF"/>
+      </a:lt1>
+      <a:dk2>
+        <a:srgbClr val="44546A"/>
+      </a:dk2>
+      <a:lt2>
+        <a:srgbClr val="E7E6E6"/>
+      </a:lt2>
+      <a:accent1>
+        <a:srgbClr val="5B9BD5"/>
+      </a:accent1>
+      <a:accent2>
+        <a:srgbClr val="ED7D31"/>
+      </a:accent2>
+      <a:accent3>
+        <a:srgbClr val="A5A5A5"/>
+      </a:accent3>
+      <a:accent4>
+        <a:srgbClr val="FFC000"/>
+      </a:accent4>
+      <a:accent5>
+        <a:srgbClr val="4472C4"/>
+      </a:accent5>
+      <a:accent6>
+        <a:srgbClr val="70AD47"/>
+      </a:accent6>
+      <a:hlink>
+        <a:srgbClr val="0563C1"/>
+      </a:hlink>
+      <a:folHlink>
+        <a:srgbClr val="954F72"/>
+      </a:folHlink>
+    </a:clrScheme>
+    <a:fontScheme name="Office">
+      <a:majorFont>
+        <a:latin typeface="Calibri Light" panose="020F0302020204030204"/>
+        <a:ea typeface=""/>
+        <a:cs typeface=""/>
+        <a:font script="Jpan" typeface="ＭＳ Ｐゴシック"/>
+        <a:font script="Hang" typeface="맑은 고딕"/>
+        <a:font script="Hans" typeface="宋体"/>
+        <a:font script="Hant" typeface="新細明體"/>
+        <a:font script="Arab" typeface="Times New Roman"/>
+        <a:font script="Hebr" typeface="Times New Roman"/>
+        <a:font script="Thai" typeface="Angsana New"/>
+        <a:font script="Ethi" typeface="Nyala"/>
+        <a:font script="Beng" typeface="Vrinda"/>
+        <a:font script="Gujr" typeface="Shruti"/>
+        <a:font script="Khmr" typeface="MoolBoran"/>
+        <a:font script="Knda" typeface="Tunga"/>
+        <a:font script="Guru" typeface="Raavi"/>
+        <a:font script="Cans" typeface="Euphemia"/>
+        <a:font script="Cher" typeface="Plantagenet Cherokee"/>
+        <a:font script="Yiii" typeface="Microsoft Yi Baiti"/>
+        <a:font script="Tibt" typeface="Microsoft Himalaya"/>
+        <a:font script="Thaa" typeface="MV Boli"/>
+        <a:font script="Deva" typeface="Mangal"/>
+        <a:font script="Telu" typeface="Gautami"/>
+        <a:font script="Taml" typeface="Latha"/>
+        <a:font script="Syrc" typeface="Estrangelo Edessa"/>
+        <a:font script="Orya" typeface="Kalinga"/>
+        <a:font script="Mlym" typeface="Kartika"/>
+        <a:font script="Laoo" typeface="DokChampa"/>
+        <a:font script="Sinh" typeface="Iskoola Pota"/>
+        <a:font script="Mong" typeface="Mongolian Baiti"/>
+        <a:font script="Viet" typeface="Times New Roman"/>
+        <a:font script="Uigh" typeface="Microsoft Uighur"/>
+        <a:font script="Geor" typeface="Sylfaen"/>
+      </a:majorFont>
+      <a:minorFont>
+        <a:latin typeface="Calibri" panose="020F0502020204030204"/>
+        <a:ea typeface=""/>
+        <a:cs typeface=""/>
+        <a:font script="Jpan" typeface="ＭＳ Ｐゴシック"/>
+        <a:font script="Hang" typeface="맑은 고딕"/>
+        <a:font script="Hans" typeface="宋体"/>
+        <a:font script="Hant" typeface="新細明體"/>
+        <a:font script="Arab" typeface="Arial"/>
+        <a:font script="Hebr" typeface="Arial"/>
+        <a:font script="Thai" typeface="Cordia New"/>
+        <a:font script="Ethi" typeface="Nyala"/>
+        <a:font script="Beng" typeface="Vrinda"/>
+        <a:font script="Gujr" typeface="Shruti"/>
+        <a:font script="Khmr" typeface="DaunPenh"/>
+        <a:font script="Knda" typeface="Tunga"/>
+        <a:font script="Guru" typeface="Raavi"/>
+        <a:font script="Cans" typeface="Euphemia"/>
+        <a:font script="Cher" typeface="Plantagenet Cherokee"/>
+        <a:font script="Yiii" typeface="Microsoft Yi Baiti"/>
+        <a:font script="Tibt" typeface="Microsoft Himalaya"/>
+        <a:font script="Thaa" typeface="MV Boli"/>
+        <a:font script="Deva" typeface="Mangal"/>
+        <a:font script="Telu" typeface="Gautami"/>
+        <a:font script="Taml" typeface="Latha"/>
+        <a:font script="Syrc" typeface="Estrangelo Edessa"/>
+        <a:font script="Orya" typeface="Kalinga"/>
+        <a:font script="Mlym" typeface="Kartika"/>
+        <a:font script="Laoo" typeface="DokChampa"/>
+        <a:font script="Sinh" typeface="Iskoola Pota"/>
+        <a:font script="Mong" typeface="Mongolian Baiti"/>
+        <a:font script="Viet" typeface="Arial"/>
+        <a:font script="Uigh" typeface="Microsoft Uighur"/>
+        <a:font script="Geor" typeface="Sylfaen"/>
+      </a:minorFont>
+    </a:fontScheme>
+    <a:fmtScheme name="Office">
+      <a:fillStyleLst>
+        <a:solidFill>
+          <a:schemeClr val="phClr"/>
+        </a:solidFill>
+        <a:gradFill rotWithShape="1">
+          <a:gsLst>
+            <a:gs pos="0">
+              <a:schemeClr val="phClr">
+                <a:lumMod val="110000"/>
+                <a:satMod val="105000"/>
+                <a:tint val="67000"/>
+              </a:schemeClr>
+            </a:gs>
+            <a:gs pos="50000">
+              <a:schemeClr val="phClr">
+                <a:lumMod val="105000"/>
+                <a:satMod val="103000"/>
+                <a:tint val="73000"/>
+              </a:schemeClr>
+            </a:gs>
+            <a:gs pos="100000">
+              <a:schemeClr val="phClr">
+                <a:lumMod val="105000"/>
+                <a:satMod val="109000"/>
+                <a:tint val="81000"/>
+              </a:schemeClr>
+            </a:gs>
+          </a:gsLst>
+          <a:lin ang="5400000" scaled="0"/>
+        </a:gradFill>
+        <a:gradFill rotWithShape="1">
+          <a:gsLst>
+            <a:gs pos="0">
+              <a:schemeClr val="phClr">
+                <a:satMod val="103000"/>
+                <a:lumMod val="102000"/>
+                <a:tint val="94000"/>
+              </a:schemeClr>
+            </a:gs>
+            <a:gs pos="50000">
+              <a:schemeClr val="phClr">
+                <a:satMod val="110000"/>
+                <a:lumMod val="100000"/>
+                <a:shade val="100000"/>
+              </a:schemeClr>
+            </a:gs>
+            <a:gs pos="100000">
+              <a:schemeClr val="phClr">
+                <a:lumMod val="99000"/>
+                <a:satMod val="120000"/>
+                <a:shade val="78000"/>
+              </a:schemeClr>
+            </a:gs>
+          </a:gsLst>
+          <a:lin ang="5400000" scaled="0"/>
+        </a:gradFill>
+      </a:fillStyleLst>
+      <a:lnStyleLst>
+        <a:ln w="6350" cap="flat" cmpd="sng" algn="ctr">
+          <a:solidFill>
+            <a:schemeClr val="phClr"/>
+          </a:solidFill>
+          <a:prstDash val="solid"/>
+          <a:miter lim="800000"/>
+        </a:ln>
+        <a:ln w="12700" cap="flat" cmpd="sng" algn="ctr">
+          <a:solidFill>
+            <a:schemeClr val="phClr"/>
+          </a:solidFill>
+          <a:prstDash val="solid"/>
+          <a:miter lim="800000"/>
+        </a:ln>
+        <a:ln w="19050" cap="flat" cmpd="sng" algn="ctr">
+          <a:solidFill>
+            <a:schemeClr val="phClr"/>
+          </a:solidFill>
+          <a:prstDash val="solid"/>
+          <a:miter lim="800000"/>
+        </a:ln>
+      </a:lnStyleLst>
+      <a:effectStyleLst>
+        <a:effectStyle>
+          <a:effectLst/>
+        </a:effectStyle>
+        <a:effectStyle>
+          <a:effectLst/>
+        </a:effectStyle>
+        <a:effectStyle>
+          <a:effectLst>
+            <a:outerShdw blurRad="57150" dist="19050" dir="5400000" algn="ctr" rotWithShape="0">
+              <a:srgbClr val="000000">
+                <a:alpha val="63000"/>
+              </a:srgbClr>
+            </a:outerShdw>
+          </a:effectLst>
+        </a:effectStyle>
+      </a:effectStyleLst>
+      <a:bgFillStyleLst>
+        <a:solidFill>
+          <a:schemeClr val="phClr"/>
+        </a:solidFill>
+        <a:solidFill>
+          <a:schemeClr val="phClr">
+            <a:tint val="95000"/>
+            <a:satMod val="170000"/>
+          </a:schemeClr>
+        </a:solidFill>
+        <a:gradFill rotWithShape="1">
+          <a:gsLst>
+            <a:gs pos="0">
+              <a:schemeClr val="phClr">
+                <a:tint val="93000"/>
+                <a:satMod val="150000"/>
+                <a:shade val="98000"/>
+                <a:lumMod val="102000"/>
+              </a:schemeClr>
+            </a:gs>
+            <a:gs pos="50000">
+              <a:schemeClr val="phClr">
+                <a:tint val="98000"/>
+                <a:satMod val="130000"/>
+                <a:shade val="90000"/>
+                <a:lumMod val="103000"/>
+              </a:schemeClr>
+            </a:gs>
+            <a:gs pos="100000">
+              <a:schemeClr val="phClr">
+                <a:shade val="63000"/>
+                <a:satMod val="120000"/>
+              </a:schemeClr>
+            </a:gs>
+          </a:gsLst>
+          <a:lin ang="5400000" scaled="0"/>
+        </a:gradFill>
+      </a:bgFillStyleLst>
+    </a:fmtScheme>
+  </a:themeElements>
+  <a:objectDefaults/>
+  <a:extraClrSchemeLst/>
+  <a:extLst>
+    <a:ext uri="{05A4C25C-085E-4340-85A3-A5531E510DB2}">
+      <thm15:themeFamily xmlns:thm15="http://schemas.microsoft.com/office/thememl/2012/main" name="Office Theme" id="{62F939B6-93AF-4DB8-9C6B-D6C7DFDC589F}" vid="{4A3C46E8-61CC-4603-A589-7422A47A8E4A}"/>
+    </a:ext>
+  </a:extLst>
+</a:theme>
 </file>